--- a/docs/垃圾分类APP.pptx
+++ b/docs/垃圾分类APP.pptx
@@ -21,9 +21,10 @@
     <p:sldId id="270" r:id="rId15"/>
     <p:sldId id="271" r:id="rId16"/>
     <p:sldId id="272" r:id="rId17"/>
-    <p:sldId id="275" r:id="rId18"/>
-    <p:sldId id="276" r:id="rId19"/>
-    <p:sldId id="277" r:id="rId20"/>
+    <p:sldId id="278" r:id="rId18"/>
+    <p:sldId id="275" r:id="rId19"/>
+    <p:sldId id="276" r:id="rId20"/>
+    <p:sldId id="277" r:id="rId21"/>
   </p:sldIdLst>
   <p:sldSz cx="12192000" cy="6858000"/>
   <p:notesSz cx="6858000" cy="9144000"/>
@@ -133,7 +134,7 @@
 <file path=ppt/revisionInfo.xml><?xml version="1.0" encoding="utf-8"?>
 <p1510:revInfo xmlns:a="http://schemas.openxmlformats.org/drawingml/2006/main" xmlns:r="http://schemas.openxmlformats.org/officeDocument/2006/relationships" xmlns:p1510="http://schemas.microsoft.com/office/powerpoint/2015/10/main">
   <p1510:revLst>
-    <p1510:client id="{07E415EE-01EF-4FC7-89CA-D0F286C26D45}" v="306" dt="2024-11-07T09:19:42.562"/>
+    <p1510:client id="{07E415EE-01EF-4FC7-89CA-D0F286C26D45}" v="358" dt="2024-11-08T02:37:10.782"/>
   </p1510:revLst>
 </p1510:revInfo>
 </file>
@@ -142,8 +143,8 @@
 <pc:chgInfo xmlns:a="http://schemas.openxmlformats.org/drawingml/2006/main" xmlns:r="http://schemas.openxmlformats.org/officeDocument/2006/relationships" xmlns:ac="http://schemas.microsoft.com/office/drawing/2013/main/command" xmlns:pc="http://schemas.microsoft.com/office/powerpoint/2013/main/command">
   <pc:docChgLst>
     <pc:chgData name="明卿 盘" userId="2dfba8e9d1d6133b" providerId="LiveId" clId="{07E415EE-01EF-4FC7-89CA-D0F286C26D45}"/>
-    <pc:docChg chg="undo custSel delSld modSld modMainMaster">
-      <pc:chgData name="明卿 盘" userId="2dfba8e9d1d6133b" providerId="LiveId" clId="{07E415EE-01EF-4FC7-89CA-D0F286C26D45}" dt="2024-11-07T09:22:09.188" v="1076" actId="20577"/>
+    <pc:docChg chg="undo custSel addSld delSld modSld sldOrd modMainMaster">
+      <pc:chgData name="明卿 盘" userId="2dfba8e9d1d6133b" providerId="LiveId" clId="{07E415EE-01EF-4FC7-89CA-D0F286C26D45}" dt="2024-11-08T02:37:15.787" v="1596" actId="20577"/>
       <pc:docMkLst>
         <pc:docMk/>
       </pc:docMkLst>
@@ -185,13 +186,13 @@
         </pc:sldMkLst>
       </pc:sldChg>
       <pc:sldChg chg="addSp delSp modSp mod addAnim delAnim modAnim">
-        <pc:chgData name="明卿 盘" userId="2dfba8e9d1d6133b" providerId="LiveId" clId="{07E415EE-01EF-4FC7-89CA-D0F286C26D45}" dt="2024-11-07T03:23:00.760" v="1055" actId="478"/>
+        <pc:chgData name="明卿 盘" userId="2dfba8e9d1d6133b" providerId="LiveId" clId="{07E415EE-01EF-4FC7-89CA-D0F286C26D45}" dt="2024-11-08T02:30:08.895" v="1557" actId="207"/>
         <pc:sldMkLst>
           <pc:docMk/>
           <pc:sldMk cId="1196509077" sldId="260"/>
         </pc:sldMkLst>
         <pc:spChg chg="mod">
-          <ac:chgData name="明卿 盘" userId="2dfba8e9d1d6133b" providerId="LiveId" clId="{07E415EE-01EF-4FC7-89CA-D0F286C26D45}" dt="2024-11-07T03:17:57.620" v="1048" actId="207"/>
+          <ac:chgData name="明卿 盘" userId="2dfba8e9d1d6133b" providerId="LiveId" clId="{07E415EE-01EF-4FC7-89CA-D0F286C26D45}" dt="2024-11-08T02:30:08.895" v="1557" actId="207"/>
           <ac:spMkLst>
             <pc:docMk/>
             <pc:sldMk cId="1196509077" sldId="260"/>
@@ -207,7 +208,7 @@
           </ac:picMkLst>
         </pc:picChg>
         <pc:picChg chg="mod">
-          <ac:chgData name="明卿 盘" userId="2dfba8e9d1d6133b" providerId="LiveId" clId="{07E415EE-01EF-4FC7-89CA-D0F286C26D45}" dt="2024-11-07T03:18:02.738" v="1049" actId="1076"/>
+          <ac:chgData name="明卿 盘" userId="2dfba8e9d1d6133b" providerId="LiveId" clId="{07E415EE-01EF-4FC7-89CA-D0F286C26D45}" dt="2024-11-08T01:39:20.021" v="1533" actId="1076"/>
           <ac:picMkLst>
             <pc:docMk/>
             <pc:sldMk cId="1196509077" sldId="260"/>
@@ -276,30 +277,38 @@
           </ac:spMkLst>
         </pc:spChg>
       </pc:sldChg>
-      <pc:sldChg chg="modSp mod modAnim">
-        <pc:chgData name="明卿 盘" userId="2dfba8e9d1d6133b" providerId="LiveId" clId="{07E415EE-01EF-4FC7-89CA-D0F286C26D45}" dt="2024-11-07T00:41:52.128" v="92" actId="207"/>
+      <pc:sldChg chg="addSp delSp modSp mod delAnim modAnim">
+        <pc:chgData name="明卿 盘" userId="2dfba8e9d1d6133b" providerId="LiveId" clId="{07E415EE-01EF-4FC7-89CA-D0F286C26D45}" dt="2024-11-08T02:37:15.787" v="1596" actId="20577"/>
         <pc:sldMkLst>
           <pc:docMk/>
           <pc:sldMk cId="2960053241" sldId="265"/>
         </pc:sldMkLst>
         <pc:spChg chg="mod">
-          <ac:chgData name="明卿 盘" userId="2dfba8e9d1d6133b" providerId="LiveId" clId="{07E415EE-01EF-4FC7-89CA-D0F286C26D45}" dt="2024-11-07T00:41:52.128" v="92" actId="207"/>
+          <ac:chgData name="明卿 盘" userId="2dfba8e9d1d6133b" providerId="LiveId" clId="{07E415EE-01EF-4FC7-89CA-D0F286C26D45}" dt="2024-11-08T02:37:15.787" v="1596" actId="20577"/>
           <ac:spMkLst>
             <pc:docMk/>
             <pc:sldMk cId="2960053241" sldId="265"/>
             <ac:spMk id="2" creationId="{24EAED13-2589-0EAA-0968-19701B1456B9}"/>
           </ac:spMkLst>
         </pc:spChg>
+        <pc:picChg chg="add mod">
+          <ac:chgData name="明卿 盘" userId="2dfba8e9d1d6133b" providerId="LiveId" clId="{07E415EE-01EF-4FC7-89CA-D0F286C26D45}" dt="2024-11-07T13:56:43.976" v="1298" actId="14100"/>
+          <ac:picMkLst>
+            <pc:docMk/>
+            <pc:sldMk cId="2960053241" sldId="265"/>
+            <ac:picMk id="4" creationId="{F6BDBE06-0509-DB99-6C9B-C01097E09E56}"/>
+          </ac:picMkLst>
+        </pc:picChg>
         <pc:picChg chg="mod">
-          <ac:chgData name="明卿 盘" userId="2dfba8e9d1d6133b" providerId="LiveId" clId="{07E415EE-01EF-4FC7-89CA-D0F286C26D45}" dt="2024-11-07T00:33:14.226" v="72" actId="1076"/>
+          <ac:chgData name="明卿 盘" userId="2dfba8e9d1d6133b" providerId="LiveId" clId="{07E415EE-01EF-4FC7-89CA-D0F286C26D45}" dt="2024-11-07T13:56:47.268" v="1299" actId="1076"/>
           <ac:picMkLst>
             <pc:docMk/>
             <pc:sldMk cId="2960053241" sldId="265"/>
             <ac:picMk id="5" creationId="{947E8262-AA46-D1AC-3B8A-591917718DD7}"/>
           </ac:picMkLst>
         </pc:picChg>
-        <pc:picChg chg="mod">
-          <ac:chgData name="明卿 盘" userId="2dfba8e9d1d6133b" providerId="LiveId" clId="{07E415EE-01EF-4FC7-89CA-D0F286C26D45}" dt="2024-11-07T00:33:17.792" v="73" actId="1076"/>
+        <pc:picChg chg="del mod">
+          <ac:chgData name="明卿 盘" userId="2dfba8e9d1d6133b" providerId="LiveId" clId="{07E415EE-01EF-4FC7-89CA-D0F286C26D45}" dt="2024-11-07T13:56:20.533" v="1291" actId="478"/>
           <ac:picMkLst>
             <pc:docMk/>
             <pc:sldMk cId="2960053241" sldId="265"/>
@@ -354,7 +363,7 @@
         </pc:spChg>
       </pc:sldChg>
       <pc:sldChg chg="addSp delSp modSp mod modAnim">
-        <pc:chgData name="明卿 盘" userId="2dfba8e9d1d6133b" providerId="LiveId" clId="{07E415EE-01EF-4FC7-89CA-D0F286C26D45}" dt="2024-11-07T02:52:15.665" v="905"/>
+        <pc:chgData name="明卿 盘" userId="2dfba8e9d1d6133b" providerId="LiveId" clId="{07E415EE-01EF-4FC7-89CA-D0F286C26D45}" dt="2024-11-08T00:59:22.651" v="1319" actId="20577"/>
         <pc:sldMkLst>
           <pc:docMk/>
           <pc:sldMk cId="323423986" sldId="268"/>
@@ -384,7 +393,7 @@
           </ac:graphicFrameMkLst>
         </pc:graphicFrameChg>
         <pc:graphicFrameChg chg="add mod ord modGraphic">
-          <ac:chgData name="明卿 盘" userId="2dfba8e9d1d6133b" providerId="LiveId" clId="{07E415EE-01EF-4FC7-89CA-D0F286C26D45}" dt="2024-11-07T01:46:36.697" v="510" actId="122"/>
+          <ac:chgData name="明卿 盘" userId="2dfba8e9d1d6133b" providerId="LiveId" clId="{07E415EE-01EF-4FC7-89CA-D0F286C26D45}" dt="2024-11-08T00:59:22.651" v="1319" actId="20577"/>
           <ac:graphicFrameMkLst>
             <pc:docMk/>
             <pc:sldMk cId="323423986" sldId="268"/>
@@ -392,8 +401,8 @@
           </ac:graphicFrameMkLst>
         </pc:graphicFrameChg>
       </pc:sldChg>
-      <pc:sldChg chg="modSp mod modAnim">
-        <pc:chgData name="明卿 盘" userId="2dfba8e9d1d6133b" providerId="LiveId" clId="{07E415EE-01EF-4FC7-89CA-D0F286C26D45}" dt="2024-11-07T02:54:23.315" v="919"/>
+      <pc:sldChg chg="addSp modSp mod modAnim">
+        <pc:chgData name="明卿 盘" userId="2dfba8e9d1d6133b" providerId="LiveId" clId="{07E415EE-01EF-4FC7-89CA-D0F286C26D45}" dt="2024-11-08T02:27:44.775" v="1556" actId="1076"/>
         <pc:sldMkLst>
           <pc:docMk/>
           <pc:sldMk cId="71558332" sldId="269"/>
@@ -414,8 +423,16 @@
             <ac:spMk id="3" creationId="{93A5AE68-774B-F5F0-D244-8944AC391929}"/>
           </ac:spMkLst>
         </pc:spChg>
+        <pc:picChg chg="add mod">
+          <ac:chgData name="明卿 盘" userId="2dfba8e9d1d6133b" providerId="LiveId" clId="{07E415EE-01EF-4FC7-89CA-D0F286C26D45}" dt="2024-11-08T02:27:44.775" v="1556" actId="1076"/>
+          <ac:picMkLst>
+            <pc:docMk/>
+            <pc:sldMk cId="71558332" sldId="269"/>
+            <ac:picMk id="5" creationId="{2A2E60C4-E106-1634-3E18-FB17F40ADEB7}"/>
+          </ac:picMkLst>
+        </pc:picChg>
         <pc:picChg chg="mod">
-          <ac:chgData name="明卿 盘" userId="2dfba8e9d1d6133b" providerId="LiveId" clId="{07E415EE-01EF-4FC7-89CA-D0F286C26D45}" dt="2024-11-07T02:53:28.250" v="911" actId="1076"/>
+          <ac:chgData name="明卿 盘" userId="2dfba8e9d1d6133b" providerId="LiveId" clId="{07E415EE-01EF-4FC7-89CA-D0F286C26D45}" dt="2024-11-08T02:27:42.337" v="1555" actId="1076"/>
           <ac:picMkLst>
             <pc:docMk/>
             <pc:sldMk cId="71558332" sldId="269"/>
@@ -424,7 +441,7 @@
         </pc:picChg>
       </pc:sldChg>
       <pc:sldChg chg="addSp delSp modSp mod modAnim">
-        <pc:chgData name="明卿 盘" userId="2dfba8e9d1d6133b" providerId="LiveId" clId="{07E415EE-01EF-4FC7-89CA-D0F286C26D45}" dt="2024-11-07T02:54:44.873" v="920"/>
+        <pc:chgData name="明卿 盘" userId="2dfba8e9d1d6133b" providerId="LiveId" clId="{07E415EE-01EF-4FC7-89CA-D0F286C26D45}" dt="2024-11-07T13:00:17.809" v="1099"/>
         <pc:sldMkLst>
           <pc:docMk/>
           <pc:sldMk cId="75246295" sldId="270"/>
@@ -462,7 +479,7 @@
           </ac:graphicFrameMkLst>
         </pc:graphicFrameChg>
         <pc:graphicFrameChg chg="add mod ord modGraphic">
-          <ac:chgData name="明卿 盘" userId="2dfba8e9d1d6133b" providerId="LiveId" clId="{07E415EE-01EF-4FC7-89CA-D0F286C26D45}" dt="2024-11-07T01:47:26.245" v="522" actId="122"/>
+          <ac:chgData name="明卿 盘" userId="2dfba8e9d1d6133b" providerId="LiveId" clId="{07E415EE-01EF-4FC7-89CA-D0F286C26D45}" dt="2024-11-07T13:00:17.809" v="1099"/>
           <ac:graphicFrameMkLst>
             <pc:docMk/>
             <pc:sldMk cId="75246295" sldId="270"/>
@@ -470,8 +487,8 @@
           </ac:graphicFrameMkLst>
         </pc:graphicFrameChg>
       </pc:sldChg>
-      <pc:sldChg chg="addSp delSp modSp mod">
-        <pc:chgData name="明卿 盘" userId="2dfba8e9d1d6133b" providerId="LiveId" clId="{07E415EE-01EF-4FC7-89CA-D0F286C26D45}" dt="2024-11-07T09:20:03.507" v="1074" actId="14100"/>
+      <pc:sldChg chg="addSp delSp modSp mod setBg">
+        <pc:chgData name="明卿 盘" userId="2dfba8e9d1d6133b" providerId="LiveId" clId="{07E415EE-01EF-4FC7-89CA-D0F286C26D45}" dt="2024-11-08T01:56:28.537" v="1542" actId="14100"/>
         <pc:sldMkLst>
           <pc:docMk/>
           <pc:sldMk cId="606618813" sldId="271"/>
@@ -493,7 +510,7 @@
           </ac:spMkLst>
         </pc:spChg>
         <pc:spChg chg="mod">
-          <ac:chgData name="明卿 盘" userId="2dfba8e9d1d6133b" providerId="LiveId" clId="{07E415EE-01EF-4FC7-89CA-D0F286C26D45}" dt="2024-11-07T02:55:41.144" v="928" actId="207"/>
+          <ac:chgData name="明卿 盘" userId="2dfba8e9d1d6133b" providerId="LiveId" clId="{07E415EE-01EF-4FC7-89CA-D0F286C26D45}" dt="2024-11-07T13:04:52.570" v="1117" actId="20577"/>
           <ac:spMkLst>
             <pc:docMk/>
             <pc:sldMk cId="606618813" sldId="271"/>
@@ -517,11 +534,19 @@
           </ac:graphicFrameMkLst>
         </pc:graphicFrameChg>
         <pc:picChg chg="add mod">
-          <ac:chgData name="明卿 盘" userId="2dfba8e9d1d6133b" providerId="LiveId" clId="{07E415EE-01EF-4FC7-89CA-D0F286C26D45}" dt="2024-11-07T09:20:03.507" v="1074" actId="14100"/>
+          <ac:chgData name="明卿 盘" userId="2dfba8e9d1d6133b" providerId="LiveId" clId="{07E415EE-01EF-4FC7-89CA-D0F286C26D45}" dt="2024-11-08T01:56:28.537" v="1542" actId="14100"/>
           <ac:picMkLst>
             <pc:docMk/>
             <pc:sldMk cId="606618813" sldId="271"/>
             <ac:picMk id="5" creationId="{7B56BF76-FE1D-6710-513F-5BBE52161554}"/>
+          </ac:picMkLst>
+        </pc:picChg>
+        <pc:picChg chg="add mod">
+          <ac:chgData name="明卿 盘" userId="2dfba8e9d1d6133b" providerId="LiveId" clId="{07E415EE-01EF-4FC7-89CA-D0F286C26D45}" dt="2024-11-08T01:56:17.352" v="1540" actId="1076"/>
+          <ac:picMkLst>
+            <pc:docMk/>
+            <pc:sldMk cId="606618813" sldId="271"/>
+            <ac:picMk id="7" creationId="{9592C242-9509-0E30-ADF0-4B8D9C016F86}"/>
           </ac:picMkLst>
         </pc:picChg>
       </pc:sldChg>
@@ -603,14 +628,14 @@
           </ac:spMkLst>
         </pc:spChg>
       </pc:sldChg>
-      <pc:sldChg chg="modSp mod modAnim">
-        <pc:chgData name="明卿 盘" userId="2dfba8e9d1d6133b" providerId="LiveId" clId="{07E415EE-01EF-4FC7-89CA-D0F286C26D45}" dt="2024-11-07T06:08:25.988" v="1063" actId="20577"/>
+      <pc:sldChg chg="modSp mod ord modAnim">
+        <pc:chgData name="明卿 盘" userId="2dfba8e9d1d6133b" providerId="LiveId" clId="{07E415EE-01EF-4FC7-89CA-D0F286C26D45}" dt="2024-11-08T01:20:04.310" v="1531" actId="20577"/>
         <pc:sldMkLst>
           <pc:docMk/>
           <pc:sldMk cId="1140528575" sldId="275"/>
         </pc:sldMkLst>
         <pc:spChg chg="mod">
-          <ac:chgData name="明卿 盘" userId="2dfba8e9d1d6133b" providerId="LiveId" clId="{07E415EE-01EF-4FC7-89CA-D0F286C26D45}" dt="2024-11-07T06:08:25.988" v="1063" actId="20577"/>
+          <ac:chgData name="明卿 盘" userId="2dfba8e9d1d6133b" providerId="LiveId" clId="{07E415EE-01EF-4FC7-89CA-D0F286C26D45}" dt="2024-11-08T01:20:04.310" v="1531" actId="20577"/>
           <ac:spMkLst>
             <pc:docMk/>
             <pc:sldMk cId="1140528575" sldId="275"/>
@@ -618,7 +643,7 @@
           </ac:spMkLst>
         </pc:spChg>
         <pc:spChg chg="mod">
-          <ac:chgData name="明卿 盘" userId="2dfba8e9d1d6133b" providerId="LiveId" clId="{07E415EE-01EF-4FC7-89CA-D0F286C26D45}" dt="2024-11-07T03:27:02.604" v="1057" actId="207"/>
+          <ac:chgData name="明卿 盘" userId="2dfba8e9d1d6133b" providerId="LiveId" clId="{07E415EE-01EF-4FC7-89CA-D0F286C26D45}" dt="2024-11-08T00:19:35.996" v="1303" actId="113"/>
           <ac:spMkLst>
             <pc:docMk/>
             <pc:sldMk cId="1140528575" sldId="275"/>
@@ -626,31 +651,71 @@
           </ac:spMkLst>
         </pc:spChg>
       </pc:sldChg>
-      <pc:sldChg chg="modSp mod">
-        <pc:chgData name="明卿 盘" userId="2dfba8e9d1d6133b" providerId="LiveId" clId="{07E415EE-01EF-4FC7-89CA-D0F286C26D45}" dt="2024-11-07T09:22:09.188" v="1076" actId="20577"/>
+      <pc:sldChg chg="addSp delSp modSp mod">
+        <pc:chgData name="明卿 盘" userId="2dfba8e9d1d6133b" providerId="LiveId" clId="{07E415EE-01EF-4FC7-89CA-D0F286C26D45}" dt="2024-11-07T13:48:50.827" v="1289" actId="1076"/>
         <pc:sldMkLst>
           <pc:docMk/>
           <pc:sldMk cId="3066266864" sldId="276"/>
         </pc:sldMkLst>
         <pc:spChg chg="mod">
-          <ac:chgData name="明卿 盘" userId="2dfba8e9d1d6133b" providerId="LiveId" clId="{07E415EE-01EF-4FC7-89CA-D0F286C26D45}" dt="2024-11-07T03:27:44.443" v="1058" actId="207"/>
+          <ac:chgData name="明卿 盘" userId="2dfba8e9d1d6133b" providerId="LiveId" clId="{07E415EE-01EF-4FC7-89CA-D0F286C26D45}" dt="2024-11-07T13:45:15.794" v="1262"/>
           <ac:spMkLst>
             <pc:docMk/>
             <pc:sldMk cId="3066266864" sldId="276"/>
             <ac:spMk id="2" creationId="{CB39F8EC-22B0-6687-396A-F202BEA7A6D2}"/>
           </ac:spMkLst>
         </pc:spChg>
-        <pc:spChg chg="mod">
-          <ac:chgData name="明卿 盘" userId="2dfba8e9d1d6133b" providerId="LiveId" clId="{07E415EE-01EF-4FC7-89CA-D0F286C26D45}" dt="2024-11-07T09:22:09.188" v="1076" actId="20577"/>
+        <pc:spChg chg="del mod">
+          <ac:chgData name="明卿 盘" userId="2dfba8e9d1d6133b" providerId="LiveId" clId="{07E415EE-01EF-4FC7-89CA-D0F286C26D45}" dt="2024-11-07T13:45:05.817" v="1255" actId="931"/>
           <ac:spMkLst>
             <pc:docMk/>
             <pc:sldMk cId="3066266864" sldId="276"/>
             <ac:spMk id="3" creationId="{3A4A533B-EDA2-8249-24FD-DFE2AB29B700}"/>
           </ac:spMkLst>
         </pc:spChg>
+        <pc:spChg chg="add del mod">
+          <ac:chgData name="明卿 盘" userId="2dfba8e9d1d6133b" providerId="LiveId" clId="{07E415EE-01EF-4FC7-89CA-D0F286C26D45}" dt="2024-11-07T13:46:11.258" v="1272" actId="931"/>
+          <ac:spMkLst>
+            <pc:docMk/>
+            <pc:sldMk cId="3066266864" sldId="276"/>
+            <ac:spMk id="7" creationId="{E9DBA29D-A9C0-D2FE-6B8D-4B3867000891}"/>
+          </ac:spMkLst>
+        </pc:spChg>
+        <pc:spChg chg="add mod">
+          <ac:chgData name="明卿 盘" userId="2dfba8e9d1d6133b" providerId="LiveId" clId="{07E415EE-01EF-4FC7-89CA-D0F286C26D45}" dt="2024-11-07T13:47:56.860" v="1284" actId="207"/>
+          <ac:spMkLst>
+            <pc:docMk/>
+            <pc:sldMk cId="3066266864" sldId="276"/>
+            <ac:spMk id="11" creationId="{F32D7559-890F-90B7-7F1E-E88297BC39E3}"/>
+          </ac:spMkLst>
+        </pc:spChg>
+        <pc:picChg chg="add del mod">
+          <ac:chgData name="明卿 盘" userId="2dfba8e9d1d6133b" providerId="LiveId" clId="{07E415EE-01EF-4FC7-89CA-D0F286C26D45}" dt="2024-11-07T13:46:05.273" v="1271" actId="478"/>
+          <ac:picMkLst>
+            <pc:docMk/>
+            <pc:sldMk cId="3066266864" sldId="276"/>
+            <ac:picMk id="5" creationId="{09620DAC-0F09-8DB0-1FD0-731DBB67B298}"/>
+          </ac:picMkLst>
+        </pc:picChg>
+        <pc:picChg chg="add del mod">
+          <ac:chgData name="明卿 盘" userId="2dfba8e9d1d6133b" providerId="LiveId" clId="{07E415EE-01EF-4FC7-89CA-D0F286C26D45}" dt="2024-11-07T13:46:28.349" v="1276" actId="478"/>
+          <ac:picMkLst>
+            <pc:docMk/>
+            <pc:sldMk cId="3066266864" sldId="276"/>
+            <ac:picMk id="9" creationId="{0D81D851-C13B-99DF-0B2D-7C934C9DEDFB}"/>
+          </ac:picMkLst>
+        </pc:picChg>
+        <pc:picChg chg="add mod">
+          <ac:chgData name="明卿 盘" userId="2dfba8e9d1d6133b" providerId="LiveId" clId="{07E415EE-01EF-4FC7-89CA-D0F286C26D45}" dt="2024-11-07T13:48:50.827" v="1289" actId="1076"/>
+          <ac:picMkLst>
+            <pc:docMk/>
+            <pc:sldMk cId="3066266864" sldId="276"/>
+            <ac:picMk id="13" creationId="{7C11E7C8-1662-4A05-BC3F-F4E728DF523E}"/>
+          </ac:picMkLst>
+        </pc:picChg>
       </pc:sldChg>
-      <pc:sldChg chg="modSp mod">
-        <pc:chgData name="明卿 盘" userId="2dfba8e9d1d6133b" providerId="LiveId" clId="{07E415EE-01EF-4FC7-89CA-D0F286C26D45}" dt="2024-11-07T03:27:50.947" v="1059" actId="207"/>
+      <pc:sldChg chg="addSp modSp mod">
+        <pc:chgData name="明卿 盘" userId="2dfba8e9d1d6133b" providerId="LiveId" clId="{07E415EE-01EF-4FC7-89CA-D0F286C26D45}" dt="2024-11-08T02:36:07.077" v="1577" actId="20577"/>
         <pc:sldMkLst>
           <pc:docMk/>
           <pc:sldMk cId="29354293" sldId="277"/>
@@ -663,15 +728,70 @@
             <ac:spMk id="2" creationId="{E27B2251-7EC0-7A1D-BFF6-730C6B4B9AE2}"/>
           </ac:spMkLst>
         </pc:spChg>
+        <pc:spChg chg="mod">
+          <ac:chgData name="明卿 盘" userId="2dfba8e9d1d6133b" providerId="LiveId" clId="{07E415EE-01EF-4FC7-89CA-D0F286C26D45}" dt="2024-11-08T02:35:38.109" v="1573"/>
+          <ac:spMkLst>
+            <pc:docMk/>
+            <pc:sldMk cId="29354293" sldId="277"/>
+            <ac:spMk id="3" creationId="{C7A110E1-F434-DE69-E933-2E1EDB8A2ED4}"/>
+          </ac:spMkLst>
+        </pc:spChg>
+        <pc:spChg chg="add mod">
+          <ac:chgData name="明卿 盘" userId="2dfba8e9d1d6133b" providerId="LiveId" clId="{07E415EE-01EF-4FC7-89CA-D0F286C26D45}" dt="2024-11-08T02:36:07.077" v="1577" actId="20577"/>
+          <ac:spMkLst>
+            <pc:docMk/>
+            <pc:sldMk cId="29354293" sldId="277"/>
+            <ac:spMk id="4" creationId="{065FD7F6-5B94-C7CD-130E-7D73057FEB30}"/>
+          </ac:spMkLst>
+        </pc:spChg>
+        <pc:graphicFrameChg chg="add mod modGraphic">
+          <ac:chgData name="明卿 盘" userId="2dfba8e9d1d6133b" providerId="LiveId" clId="{07E415EE-01EF-4FC7-89CA-D0F286C26D45}" dt="2024-11-08T02:34:32.125" v="1564" actId="2165"/>
+          <ac:graphicFrameMkLst>
+            <pc:docMk/>
+            <pc:sldMk cId="29354293" sldId="277"/>
+            <ac:graphicFrameMk id="6" creationId="{0593556D-8962-A267-A271-1AAD0B05CB22}"/>
+          </ac:graphicFrameMkLst>
+        </pc:graphicFrameChg>
+        <pc:picChg chg="add mod">
+          <ac:chgData name="明卿 盘" userId="2dfba8e9d1d6133b" providerId="LiveId" clId="{07E415EE-01EF-4FC7-89CA-D0F286C26D45}" dt="2024-11-08T02:35:40.491" v="1574" actId="1076"/>
+          <ac:picMkLst>
+            <pc:docMk/>
+            <pc:sldMk cId="29354293" sldId="277"/>
+            <ac:picMk id="5" creationId="{3F1B9375-FA1D-EA9E-F3D6-EA6F9B7DD635}"/>
+          </ac:picMkLst>
+        </pc:picChg>
+      </pc:sldChg>
+      <pc:sldChg chg="modSp new mod">
+        <pc:chgData name="明卿 盘" userId="2dfba8e9d1d6133b" providerId="LiveId" clId="{07E415EE-01EF-4FC7-89CA-D0F286C26D45}" dt="2024-11-08T01:20:00.489" v="1529" actId="20577"/>
+        <pc:sldMkLst>
+          <pc:docMk/>
+          <pc:sldMk cId="1350880539" sldId="278"/>
+        </pc:sldMkLst>
+        <pc:spChg chg="mod">
+          <ac:chgData name="明卿 盘" userId="2dfba8e9d1d6133b" providerId="LiveId" clId="{07E415EE-01EF-4FC7-89CA-D0F286C26D45}" dt="2024-11-08T01:20:00.489" v="1529" actId="20577"/>
+          <ac:spMkLst>
+            <pc:docMk/>
+            <pc:sldMk cId="1350880539" sldId="278"/>
+            <ac:spMk id="2" creationId="{B3B107ED-22D9-805A-B2AC-BB9760D8DF9D}"/>
+          </ac:spMkLst>
+        </pc:spChg>
+        <pc:spChg chg="mod">
+          <ac:chgData name="明卿 盘" userId="2dfba8e9d1d6133b" providerId="LiveId" clId="{07E415EE-01EF-4FC7-89CA-D0F286C26D45}" dt="2024-11-07T13:32:46.591" v="1251"/>
+          <ac:spMkLst>
+            <pc:docMk/>
+            <pc:sldMk cId="1350880539" sldId="278"/>
+            <ac:spMk id="3" creationId="{FE3C1CAD-8E3D-56E9-C5E4-77D12801437F}"/>
+          </ac:spMkLst>
+        </pc:spChg>
       </pc:sldChg>
       <pc:sldMasterChg chg="setBg modSldLayout">
-        <pc:chgData name="明卿 盘" userId="2dfba8e9d1d6133b" providerId="LiveId" clId="{07E415EE-01EF-4FC7-89CA-D0F286C26D45}" dt="2024-11-07T01:21:51.851" v="355"/>
+        <pc:chgData name="明卿 盘" userId="2dfba8e9d1d6133b" providerId="LiveId" clId="{07E415EE-01EF-4FC7-89CA-D0F286C26D45}" dt="2024-11-07T13:43:44.162" v="1254"/>
         <pc:sldMasterMkLst>
           <pc:docMk/>
           <pc:sldMasterMk cId="3969017868" sldId="2147483648"/>
         </pc:sldMasterMkLst>
         <pc:sldLayoutChg chg="setBg">
-          <pc:chgData name="明卿 盘" userId="2dfba8e9d1d6133b" providerId="LiveId" clId="{07E415EE-01EF-4FC7-89CA-D0F286C26D45}" dt="2024-11-07T01:21:51.851" v="355"/>
+          <pc:chgData name="明卿 盘" userId="2dfba8e9d1d6133b" providerId="LiveId" clId="{07E415EE-01EF-4FC7-89CA-D0F286C26D45}" dt="2024-11-07T13:43:44.162" v="1254"/>
           <pc:sldLayoutMkLst>
             <pc:docMk/>
             <pc:sldMasterMk cId="3969017868" sldId="2147483648"/>
@@ -679,7 +799,7 @@
           </pc:sldLayoutMkLst>
         </pc:sldLayoutChg>
         <pc:sldLayoutChg chg="setBg">
-          <pc:chgData name="明卿 盘" userId="2dfba8e9d1d6133b" providerId="LiveId" clId="{07E415EE-01EF-4FC7-89CA-D0F286C26D45}" dt="2024-11-07T01:21:51.851" v="355"/>
+          <pc:chgData name="明卿 盘" userId="2dfba8e9d1d6133b" providerId="LiveId" clId="{07E415EE-01EF-4FC7-89CA-D0F286C26D45}" dt="2024-11-07T13:43:44.162" v="1254"/>
           <pc:sldLayoutMkLst>
             <pc:docMk/>
             <pc:sldMasterMk cId="3969017868" sldId="2147483648"/>
@@ -687,7 +807,7 @@
           </pc:sldLayoutMkLst>
         </pc:sldLayoutChg>
         <pc:sldLayoutChg chg="setBg">
-          <pc:chgData name="明卿 盘" userId="2dfba8e9d1d6133b" providerId="LiveId" clId="{07E415EE-01EF-4FC7-89CA-D0F286C26D45}" dt="2024-11-07T01:21:51.851" v="355"/>
+          <pc:chgData name="明卿 盘" userId="2dfba8e9d1d6133b" providerId="LiveId" clId="{07E415EE-01EF-4FC7-89CA-D0F286C26D45}" dt="2024-11-07T13:43:44.162" v="1254"/>
           <pc:sldLayoutMkLst>
             <pc:docMk/>
             <pc:sldMasterMk cId="3969017868" sldId="2147483648"/>
@@ -695,7 +815,7 @@
           </pc:sldLayoutMkLst>
         </pc:sldLayoutChg>
         <pc:sldLayoutChg chg="setBg">
-          <pc:chgData name="明卿 盘" userId="2dfba8e9d1d6133b" providerId="LiveId" clId="{07E415EE-01EF-4FC7-89CA-D0F286C26D45}" dt="2024-11-07T01:21:51.851" v="355"/>
+          <pc:chgData name="明卿 盘" userId="2dfba8e9d1d6133b" providerId="LiveId" clId="{07E415EE-01EF-4FC7-89CA-D0F286C26D45}" dt="2024-11-07T13:43:44.162" v="1254"/>
           <pc:sldLayoutMkLst>
             <pc:docMk/>
             <pc:sldMasterMk cId="3969017868" sldId="2147483648"/>
@@ -703,7 +823,7 @@
           </pc:sldLayoutMkLst>
         </pc:sldLayoutChg>
         <pc:sldLayoutChg chg="setBg">
-          <pc:chgData name="明卿 盘" userId="2dfba8e9d1d6133b" providerId="LiveId" clId="{07E415EE-01EF-4FC7-89CA-D0F286C26D45}" dt="2024-11-07T01:21:51.851" v="355"/>
+          <pc:chgData name="明卿 盘" userId="2dfba8e9d1d6133b" providerId="LiveId" clId="{07E415EE-01EF-4FC7-89CA-D0F286C26D45}" dt="2024-11-07T13:43:44.162" v="1254"/>
           <pc:sldLayoutMkLst>
             <pc:docMk/>
             <pc:sldMasterMk cId="3969017868" sldId="2147483648"/>
@@ -711,7 +831,7 @@
           </pc:sldLayoutMkLst>
         </pc:sldLayoutChg>
         <pc:sldLayoutChg chg="setBg">
-          <pc:chgData name="明卿 盘" userId="2dfba8e9d1d6133b" providerId="LiveId" clId="{07E415EE-01EF-4FC7-89CA-D0F286C26D45}" dt="2024-11-07T01:21:51.851" v="355"/>
+          <pc:chgData name="明卿 盘" userId="2dfba8e9d1d6133b" providerId="LiveId" clId="{07E415EE-01EF-4FC7-89CA-D0F286C26D45}" dt="2024-11-07T13:43:44.162" v="1254"/>
           <pc:sldLayoutMkLst>
             <pc:docMk/>
             <pc:sldMasterMk cId="3969017868" sldId="2147483648"/>
@@ -719,7 +839,7 @@
           </pc:sldLayoutMkLst>
         </pc:sldLayoutChg>
         <pc:sldLayoutChg chg="setBg">
-          <pc:chgData name="明卿 盘" userId="2dfba8e9d1d6133b" providerId="LiveId" clId="{07E415EE-01EF-4FC7-89CA-D0F286C26D45}" dt="2024-11-07T01:21:51.851" v="355"/>
+          <pc:chgData name="明卿 盘" userId="2dfba8e9d1d6133b" providerId="LiveId" clId="{07E415EE-01EF-4FC7-89CA-D0F286C26D45}" dt="2024-11-07T13:43:44.162" v="1254"/>
           <pc:sldLayoutMkLst>
             <pc:docMk/>
             <pc:sldMasterMk cId="3969017868" sldId="2147483648"/>
@@ -727,7 +847,7 @@
           </pc:sldLayoutMkLst>
         </pc:sldLayoutChg>
         <pc:sldLayoutChg chg="setBg">
-          <pc:chgData name="明卿 盘" userId="2dfba8e9d1d6133b" providerId="LiveId" clId="{07E415EE-01EF-4FC7-89CA-D0F286C26D45}" dt="2024-11-07T01:21:51.851" v="355"/>
+          <pc:chgData name="明卿 盘" userId="2dfba8e9d1d6133b" providerId="LiveId" clId="{07E415EE-01EF-4FC7-89CA-D0F286C26D45}" dt="2024-11-07T13:43:44.162" v="1254"/>
           <pc:sldLayoutMkLst>
             <pc:docMk/>
             <pc:sldMasterMk cId="3969017868" sldId="2147483648"/>
@@ -735,7 +855,7 @@
           </pc:sldLayoutMkLst>
         </pc:sldLayoutChg>
         <pc:sldLayoutChg chg="setBg">
-          <pc:chgData name="明卿 盘" userId="2dfba8e9d1d6133b" providerId="LiveId" clId="{07E415EE-01EF-4FC7-89CA-D0F286C26D45}" dt="2024-11-07T01:21:51.851" v="355"/>
+          <pc:chgData name="明卿 盘" userId="2dfba8e9d1d6133b" providerId="LiveId" clId="{07E415EE-01EF-4FC7-89CA-D0F286C26D45}" dt="2024-11-07T13:43:44.162" v="1254"/>
           <pc:sldLayoutMkLst>
             <pc:docMk/>
             <pc:sldMasterMk cId="3969017868" sldId="2147483648"/>
@@ -743,7 +863,7 @@
           </pc:sldLayoutMkLst>
         </pc:sldLayoutChg>
         <pc:sldLayoutChg chg="setBg">
-          <pc:chgData name="明卿 盘" userId="2dfba8e9d1d6133b" providerId="LiveId" clId="{07E415EE-01EF-4FC7-89CA-D0F286C26D45}" dt="2024-11-07T01:21:51.851" v="355"/>
+          <pc:chgData name="明卿 盘" userId="2dfba8e9d1d6133b" providerId="LiveId" clId="{07E415EE-01EF-4FC7-89CA-D0F286C26D45}" dt="2024-11-07T13:43:44.162" v="1254"/>
           <pc:sldLayoutMkLst>
             <pc:docMk/>
             <pc:sldMasterMk cId="3969017868" sldId="2147483648"/>
@@ -751,7 +871,7 @@
           </pc:sldLayoutMkLst>
         </pc:sldLayoutChg>
         <pc:sldLayoutChg chg="setBg">
-          <pc:chgData name="明卿 盘" userId="2dfba8e9d1d6133b" providerId="LiveId" clId="{07E415EE-01EF-4FC7-89CA-D0F286C26D45}" dt="2024-11-07T01:21:51.851" v="355"/>
+          <pc:chgData name="明卿 盘" userId="2dfba8e9d1d6133b" providerId="LiveId" clId="{07E415EE-01EF-4FC7-89CA-D0F286C26D45}" dt="2024-11-07T13:43:44.162" v="1254"/>
           <pc:sldLayoutMkLst>
             <pc:docMk/>
             <pc:sldMasterMk cId="3969017868" sldId="2147483648"/>
@@ -911,7 +1031,7 @@
           <a:p>
             <a:fld id="{39F4AAA8-FB6A-4077-ACC6-0075433BD182}" type="datetimeFigureOut">
               <a:rPr lang="zh-CN" altLang="en-US" smtClean="0"/>
-              <a:t>2024/11/7</a:t>
+              <a:t>2024/11/8</a:t>
             </a:fld>
             <a:endParaRPr lang="zh-CN" altLang="en-US"/>
           </a:p>
@@ -1109,7 +1229,7 @@
           <a:p>
             <a:fld id="{39F4AAA8-FB6A-4077-ACC6-0075433BD182}" type="datetimeFigureOut">
               <a:rPr lang="zh-CN" altLang="en-US" smtClean="0"/>
-              <a:t>2024/11/7</a:t>
+              <a:t>2024/11/8</a:t>
             </a:fld>
             <a:endParaRPr lang="zh-CN" altLang="en-US"/>
           </a:p>
@@ -1317,7 +1437,7 @@
           <a:p>
             <a:fld id="{39F4AAA8-FB6A-4077-ACC6-0075433BD182}" type="datetimeFigureOut">
               <a:rPr lang="zh-CN" altLang="en-US" smtClean="0"/>
-              <a:t>2024/11/7</a:t>
+              <a:t>2024/11/8</a:t>
             </a:fld>
             <a:endParaRPr lang="zh-CN" altLang="en-US"/>
           </a:p>
@@ -1515,7 +1635,7 @@
           <a:p>
             <a:fld id="{39F4AAA8-FB6A-4077-ACC6-0075433BD182}" type="datetimeFigureOut">
               <a:rPr lang="zh-CN" altLang="en-US" smtClean="0"/>
-              <a:t>2024/11/7</a:t>
+              <a:t>2024/11/8</a:t>
             </a:fld>
             <a:endParaRPr lang="zh-CN" altLang="en-US"/>
           </a:p>
@@ -1790,7 +1910,7 @@
           <a:p>
             <a:fld id="{39F4AAA8-FB6A-4077-ACC6-0075433BD182}" type="datetimeFigureOut">
               <a:rPr lang="zh-CN" altLang="en-US" smtClean="0"/>
-              <a:t>2024/11/7</a:t>
+              <a:t>2024/11/8</a:t>
             </a:fld>
             <a:endParaRPr lang="zh-CN" altLang="en-US"/>
           </a:p>
@@ -2055,7 +2175,7 @@
           <a:p>
             <a:fld id="{39F4AAA8-FB6A-4077-ACC6-0075433BD182}" type="datetimeFigureOut">
               <a:rPr lang="zh-CN" altLang="en-US" smtClean="0"/>
-              <a:t>2024/11/7</a:t>
+              <a:t>2024/11/8</a:t>
             </a:fld>
             <a:endParaRPr lang="zh-CN" altLang="en-US"/>
           </a:p>
@@ -2467,7 +2587,7 @@
           <a:p>
             <a:fld id="{39F4AAA8-FB6A-4077-ACC6-0075433BD182}" type="datetimeFigureOut">
               <a:rPr lang="zh-CN" altLang="en-US" smtClean="0"/>
-              <a:t>2024/11/7</a:t>
+              <a:t>2024/11/8</a:t>
             </a:fld>
             <a:endParaRPr lang="zh-CN" altLang="en-US"/>
           </a:p>
@@ -2608,7 +2728,7 @@
           <a:p>
             <a:fld id="{39F4AAA8-FB6A-4077-ACC6-0075433BD182}" type="datetimeFigureOut">
               <a:rPr lang="zh-CN" altLang="en-US" smtClean="0"/>
-              <a:t>2024/11/7</a:t>
+              <a:t>2024/11/8</a:t>
             </a:fld>
             <a:endParaRPr lang="zh-CN" altLang="en-US"/>
           </a:p>
@@ -2721,7 +2841,7 @@
           <a:p>
             <a:fld id="{39F4AAA8-FB6A-4077-ACC6-0075433BD182}" type="datetimeFigureOut">
               <a:rPr lang="zh-CN" altLang="en-US" smtClean="0"/>
-              <a:t>2024/11/7</a:t>
+              <a:t>2024/11/8</a:t>
             </a:fld>
             <a:endParaRPr lang="zh-CN" altLang="en-US"/>
           </a:p>
@@ -3032,7 +3152,7 @@
           <a:p>
             <a:fld id="{39F4AAA8-FB6A-4077-ACC6-0075433BD182}" type="datetimeFigureOut">
               <a:rPr lang="zh-CN" altLang="en-US" smtClean="0"/>
-              <a:t>2024/11/7</a:t>
+              <a:t>2024/11/8</a:t>
             </a:fld>
             <a:endParaRPr lang="zh-CN" altLang="en-US"/>
           </a:p>
@@ -3320,7 +3440,7 @@
           <a:p>
             <a:fld id="{39F4AAA8-FB6A-4077-ACC6-0075433BD182}" type="datetimeFigureOut">
               <a:rPr lang="zh-CN" altLang="en-US" smtClean="0"/>
-              <a:t>2024/11/7</a:t>
+              <a:t>2024/11/8</a:t>
             </a:fld>
             <a:endParaRPr lang="zh-CN" altLang="en-US"/>
           </a:p>
@@ -3405,7 +3525,7 @@
           </a:blip>
           <a:srcRect/>
           <a:stretch>
-            <a:fillRect l="-4000" r="-4000"/>
+            <a:fillRect l="-6000" r="-6000"/>
           </a:stretch>
         </a:blipFill>
         <a:effectLst/>
@@ -3571,7 +3691,7 @@
           <a:p>
             <a:fld id="{39F4AAA8-FB6A-4077-ACC6-0075433BD182}" type="datetimeFigureOut">
               <a:rPr lang="zh-CN" altLang="en-US" smtClean="0"/>
-              <a:t>2024/11/7</a:t>
+              <a:t>2024/11/8</a:t>
             </a:fld>
             <a:endParaRPr lang="zh-CN" altLang="en-US"/>
           </a:p>
@@ -6266,7 +6386,7 @@
             <p:ph idx="1"/>
             <p:extLst>
               <p:ext uri="{D42A27DB-BD31-4B8C-83A1-F6EECF244321}">
-                <p14:modId xmlns:p14="http://schemas.microsoft.com/office/powerpoint/2010/main" val="2730553471"/>
+                <p14:modId xmlns:p14="http://schemas.microsoft.com/office/powerpoint/2010/main" val="3883237804"/>
               </p:ext>
             </p:extLst>
           </p:nvPr>
@@ -6386,6 +6506,14 @@
                         <a:rPr lang="en-US" altLang="zh-CN" dirty="0"/>
                         <a:t>Python  3.10.11</a:t>
                       </a:r>
+                      <a:r>
+                        <a:rPr lang="zh-CN" altLang="en-US" dirty="0"/>
+                        <a:t>、</a:t>
+                      </a:r>
+                      <a:r>
+                        <a:rPr lang="en-US" altLang="zh-CN" dirty="0"/>
+                        <a:t>java  17</a:t>
+                      </a:r>
                       <a:endParaRPr lang="zh-CN" altLang="en-US" dirty="0"/>
                     </a:p>
                   </a:txBody>
@@ -6733,8 +6861,44 @@
         </p:blipFill>
         <p:spPr>
           <a:xfrm>
-            <a:off x="947928" y="2208285"/>
+            <a:off x="2848585" y="2229557"/>
             <a:ext cx="7002551" cy="1965941"/>
+          </a:xfrm>
+          <a:prstGeom prst="rect">
+            <a:avLst/>
+          </a:prstGeom>
+        </p:spPr>
+      </p:pic>
+      <p:pic>
+        <p:nvPicPr>
+          <p:cNvPr id="5" name="图片 4">
+            <a:extLst>
+              <a:ext uri="{FF2B5EF4-FFF2-40B4-BE49-F238E27FC236}">
+                <a16:creationId xmlns:a16="http://schemas.microsoft.com/office/drawing/2014/main" id="{2A2E60C4-E106-1634-3E18-FB17F40ADEB7}"/>
+              </a:ext>
+            </a:extLst>
+          </p:cNvPr>
+          <p:cNvPicPr>
+            <a:picLocks noChangeAspect="1"/>
+          </p:cNvPicPr>
+          <p:nvPr/>
+        </p:nvPicPr>
+        <p:blipFill>
+          <a:blip r:embed="rId3">
+            <a:extLst>
+              <a:ext uri="{28A0092B-C50C-407E-A947-70E740481C1C}">
+                <a14:useLocalDpi xmlns:a14="http://schemas.microsoft.com/office/drawing/2010/main" val="0"/>
+              </a:ext>
+            </a:extLst>
+          </a:blip>
+          <a:stretch>
+            <a:fillRect/>
+          </a:stretch>
+        </p:blipFill>
+        <p:spPr>
+          <a:xfrm>
+            <a:off x="3416808" y="4195498"/>
+            <a:ext cx="5628936" cy="2683774"/>
           </a:xfrm>
           <a:prstGeom prst="rect">
             <a:avLst/>
@@ -7062,14 +7226,14 @@
             <p:ph idx="1"/>
             <p:extLst>
               <p:ext uri="{D42A27DB-BD31-4B8C-83A1-F6EECF244321}">
-                <p14:modId xmlns:p14="http://schemas.microsoft.com/office/powerpoint/2010/main" val="469123882"/>
+                <p14:modId xmlns:p14="http://schemas.microsoft.com/office/powerpoint/2010/main" val="2601392425"/>
               </p:ext>
             </p:extLst>
           </p:nvPr>
         </p:nvGraphicFramePr>
         <p:xfrm>
           <a:off x="832104" y="1825625"/>
-          <a:ext cx="10521696" cy="3075366"/>
+          <a:ext cx="9740646" cy="2881288"/>
         </p:xfrm>
         <a:graphic>
           <a:graphicData uri="http://schemas.openxmlformats.org/drawingml/2006/table">
@@ -7085,21 +7249,14 @@
                     </a:ext>
                   </a:extLst>
                 </a:gridCol>
-                <a:gridCol w="2628900">
+                <a:gridCol w="3600450">
                   <a:extLst>
                     <a:ext uri="{9D8B030D-6E8A-4147-A177-3AD203B41FA5}">
                       <a16:colId xmlns:a16="http://schemas.microsoft.com/office/drawing/2014/main" val="157693990"/>
                     </a:ext>
                   </a:extLst>
                 </a:gridCol>
-                <a:gridCol w="2628900">
-                  <a:extLst>
-                    <a:ext uri="{9D8B030D-6E8A-4147-A177-3AD203B41FA5}">
-                      <a16:colId xmlns:a16="http://schemas.microsoft.com/office/drawing/2014/main" val="4016683841"/>
-                    </a:ext>
-                  </a:extLst>
-                </a:gridCol>
-                <a:gridCol w="2628900">
+                <a:gridCol w="3505200">
                   <a:extLst>
                     <a:ext uri="{9D8B030D-6E8A-4147-A177-3AD203B41FA5}">
                       <a16:colId xmlns:a16="http://schemas.microsoft.com/office/drawing/2014/main" val="1893632033"/>
@@ -7131,20 +7288,6 @@
                       <a:r>
                         <a:rPr lang="zh-CN" altLang="en-US" dirty="0"/>
                         <a:t>问题名称</a:t>
-                      </a:r>
-                    </a:p>
-                  </a:txBody>
-                  <a:tcPr/>
-                </a:tc>
-                <a:tc>
-                  <a:txBody>
-                    <a:bodyPr/>
-                    <a:lstStyle/>
-                    <a:p>
-                      <a:pPr algn="ctr"/>
-                      <a:r>
-                        <a:rPr lang="zh-CN" altLang="en-US" dirty="0"/>
-                        <a:t>发生原因</a:t>
                       </a:r>
                     </a:p>
                   </a:txBody>
@@ -7194,20 +7337,6 @@
                       <a:r>
                         <a:rPr lang="zh-CN" altLang="en-US" dirty="0"/>
                         <a:t>技术不熟悉</a:t>
-                      </a:r>
-                    </a:p>
-                  </a:txBody>
-                  <a:tcPr/>
-                </a:tc>
-                <a:tc>
-                  <a:txBody>
-                    <a:bodyPr/>
-                    <a:lstStyle/>
-                    <a:p>
-                      <a:pPr algn="ctr"/>
-                      <a:r>
-                        <a:rPr lang="zh-CN" altLang="en-US" dirty="0"/>
-                        <a:t>之前从未在开发过程中使用过，只是有所了解</a:t>
                       </a:r>
                     </a:p>
                   </a:txBody>
@@ -7288,11 +7417,31 @@
                     <a:bodyPr/>
                     <a:lstStyle/>
                     <a:p>
-                      <a:pPr algn="ctr"/>
+                      <a:pPr marL="0" marR="0" lvl="0" indent="0" algn="ctr" defTabSz="914400" rtl="0" eaLnBrk="1" fontAlgn="auto" latinLnBrk="0" hangingPunct="1">
+                        <a:lnSpc>
+                          <a:spcPct val="100000"/>
+                        </a:lnSpc>
+                        <a:spcBef>
+                          <a:spcPts val="0"/>
+                        </a:spcBef>
+                        <a:spcAft>
+                          <a:spcPts val="0"/>
+                        </a:spcAft>
+                        <a:buClrTx/>
+                        <a:buSzTx/>
+                        <a:buFontTx/>
+                        <a:buNone/>
+                        <a:tabLst/>
+                        <a:defRPr/>
+                      </a:pPr>
                       <a:r>
                         <a:rPr lang="zh-CN" altLang="en-US" dirty="0"/>
-                        <a:t>技术问题</a:t>
+                        <a:t>系统和环境问题</a:t>
                       </a:r>
+                    </a:p>
+                    <a:p>
+                      <a:pPr algn="ctr"/>
+                      <a:endParaRPr lang="zh-CN" altLang="en-US" dirty="0"/>
                     </a:p>
                   </a:txBody>
                   <a:tcPr/>
@@ -7302,29 +7451,32 @@
                     <a:bodyPr/>
                     <a:lstStyle/>
                     <a:p>
-                      <a:pPr algn="ctr"/>
+                      <a:pPr marL="0" marR="0" lvl="0" indent="0" algn="ctr" defTabSz="914400" rtl="0" eaLnBrk="1" fontAlgn="auto" latinLnBrk="0" hangingPunct="1">
+                        <a:lnSpc>
+                          <a:spcPct val="100000"/>
+                        </a:lnSpc>
+                        <a:spcBef>
+                          <a:spcPts val="0"/>
+                        </a:spcBef>
+                        <a:spcAft>
+                          <a:spcPts val="0"/>
+                        </a:spcAft>
+                        <a:buClrTx/>
+                        <a:buSzTx/>
+                        <a:buFontTx/>
+                        <a:buNone/>
+                        <a:tabLst/>
+                        <a:defRPr/>
+                      </a:pPr>
                       <a:r>
                         <a:rPr lang="en-US" altLang="zh-CN" dirty="0"/>
                         <a:t>Android</a:t>
                       </a:r>
                       <a:r>
                         <a:rPr lang="zh-CN" altLang="en-US" dirty="0"/>
-                        <a:t>端与模型的结合问题</a:t>
+                        <a:t>端权限获取与相机启动问题</a:t>
                       </a:r>
-                    </a:p>
-                  </a:txBody>
-                  <a:tcPr/>
-                </a:tc>
-                <a:tc>
-                  <a:txBody>
-                    <a:bodyPr/>
-                    <a:lstStyle/>
-                    <a:p>
-                      <a:pPr algn="ctr"/>
-                      <a:r>
-                        <a:rPr lang="zh-CN" altLang="en-US" dirty="0"/>
-                        <a:t>无法针对原模型的输出结果进行处理</a:t>
-                      </a:r>
+                      <a:endParaRPr lang="en-US" altLang="zh-CN" dirty="0"/>
                     </a:p>
                   </a:txBody>
                   <a:tcPr/>
@@ -7354,7 +7506,7 @@
                       <a:pPr algn="ctr"/>
                       <a:r>
                         <a:rPr lang="zh-CN" altLang="en-US" dirty="0"/>
-                        <a:t>系统和环境问题</a:t>
+                        <a:t>技术问题</a:t>
                       </a:r>
                     </a:p>
                   </a:txBody>
@@ -7365,73 +7517,34 @@
                     <a:bodyPr/>
                     <a:lstStyle/>
                     <a:p>
-                      <a:pPr algn="ctr"/>
+                      <a:pPr marL="0" marR="0" lvl="0" indent="0" algn="ctr" defTabSz="914400" rtl="0" eaLnBrk="1" fontAlgn="auto" latinLnBrk="0" hangingPunct="1">
+                        <a:lnSpc>
+                          <a:spcPct val="100000"/>
+                        </a:lnSpc>
+                        <a:spcBef>
+                          <a:spcPts val="0"/>
+                        </a:spcBef>
+                        <a:spcAft>
+                          <a:spcPts val="0"/>
+                        </a:spcAft>
+                        <a:buClrTx/>
+                        <a:buSzTx/>
+                        <a:buFontTx/>
+                        <a:buNone/>
+                        <a:tabLst/>
+                        <a:defRPr/>
+                      </a:pPr>
                       <a:r>
                         <a:rPr lang="en-US" altLang="zh-CN" dirty="0"/>
                         <a:t>Android</a:t>
                       </a:r>
                       <a:r>
                         <a:rPr lang="zh-CN" altLang="en-US" dirty="0"/>
-                        <a:t>端权限获取与相机启动问题</a:t>
+                        <a:t>端与模型的结合问题</a:t>
                       </a:r>
                     </a:p>
-                  </a:txBody>
-                  <a:tcPr/>
-                </a:tc>
-                <a:tc>
-                  <a:txBody>
-                    <a:bodyPr/>
-                    <a:lstStyle/>
                     <a:p>
                       <a:pPr algn="ctr"/>
-                      <a:r>
-                        <a:rPr lang="zh-CN" altLang="en-US" dirty="0"/>
-                        <a:t>不同的系统或</a:t>
-                      </a:r>
-                      <a:r>
-                        <a:rPr lang="en-US" altLang="zh-CN" dirty="0"/>
-                        <a:t>API</a:t>
-                      </a:r>
-                      <a:r>
-                        <a:rPr lang="zh-CN" altLang="en-US" dirty="0"/>
-                        <a:t>版本</a:t>
-                      </a:r>
-                      <a:r>
-                        <a:rPr lang="zh-CN" altLang="en-US" sz="1800" b="0" i="0" kern="1200" dirty="0">
-                          <a:solidFill>
-                            <a:schemeClr val="dk1"/>
-                          </a:solidFill>
-                          <a:effectLst/>
-                          <a:latin typeface="+mn-lt"/>
-                          <a:ea typeface="+mn-ea"/>
-                          <a:cs typeface="+mn-cs"/>
-                        </a:rPr>
-                        <a:t>对权限管理和相机 </a:t>
-                      </a:r>
-                      <a:r>
-                        <a:rPr lang="en-US" altLang="zh-CN" sz="1800" b="0" i="0" kern="1200" dirty="0">
-                          <a:solidFill>
-                            <a:schemeClr val="dk1"/>
-                          </a:solidFill>
-                          <a:effectLst/>
-                          <a:latin typeface="+mn-lt"/>
-                          <a:ea typeface="+mn-ea"/>
-                          <a:cs typeface="+mn-cs"/>
-                        </a:rPr>
-                        <a:t>API </a:t>
-                      </a:r>
-                      <a:r>
-                        <a:rPr lang="zh-CN" altLang="en-US" sz="1800" b="0" i="0" kern="1200" dirty="0">
-                          <a:solidFill>
-                            <a:schemeClr val="dk1"/>
-                          </a:solidFill>
-                          <a:effectLst/>
-                          <a:latin typeface="+mn-lt"/>
-                          <a:ea typeface="+mn-ea"/>
-                          <a:cs typeface="+mn-cs"/>
-                        </a:rPr>
-                        <a:t>的实现有所不同</a:t>
-                      </a:r>
                       <a:endParaRPr lang="zh-CN" altLang="en-US" dirty="0"/>
                     </a:p>
                   </a:txBody>
@@ -7982,10 +8095,11 @@
             </a:endParaRPr>
           </a:p>
           <a:p>
-            <a:r>
-              <a:rPr lang="zh-CN" altLang="en-US" dirty="0"/>
-              <a:t>（只有一个客户端和一个服务器）</a:t>
-            </a:r>
+            <a:endParaRPr lang="en-US" altLang="zh-CN" dirty="0">
+              <a:solidFill>
+                <a:schemeClr val="accent6"/>
+              </a:solidFill>
+            </a:endParaRPr>
           </a:p>
         </p:txBody>
       </p:sp>
@@ -8017,8 +8131,44 @@
         </p:blipFill>
         <p:spPr>
           <a:xfrm>
-            <a:off x="1405690" y="2265679"/>
-            <a:ext cx="3085030" cy="4562889"/>
+            <a:off x="1101492" y="2065020"/>
+            <a:ext cx="3220698" cy="4763548"/>
+          </a:xfrm>
+          <a:prstGeom prst="rect">
+            <a:avLst/>
+          </a:prstGeom>
+        </p:spPr>
+      </p:pic>
+      <p:pic>
+        <p:nvPicPr>
+          <p:cNvPr id="7" name="图片 6">
+            <a:extLst>
+              <a:ext uri="{FF2B5EF4-FFF2-40B4-BE49-F238E27FC236}">
+                <a16:creationId xmlns:a16="http://schemas.microsoft.com/office/drawing/2014/main" id="{9592C242-9509-0E30-ADF0-4B8D9C016F86}"/>
+              </a:ext>
+            </a:extLst>
+          </p:cNvPr>
+          <p:cNvPicPr>
+            <a:picLocks noChangeAspect="1"/>
+          </p:cNvPicPr>
+          <p:nvPr/>
+        </p:nvPicPr>
+        <p:blipFill>
+          <a:blip r:embed="rId3">
+            <a:extLst>
+              <a:ext uri="{28A0092B-C50C-407E-A947-70E740481C1C}">
+                <a14:useLocalDpi xmlns:a14="http://schemas.microsoft.com/office/drawing/2010/main" val="0"/>
+              </a:ext>
+            </a:extLst>
+          </a:blip>
+          <a:stretch>
+            <a:fillRect/>
+          </a:stretch>
+        </p:blipFill>
+        <p:spPr>
+          <a:xfrm>
+            <a:off x="6096000" y="2065020"/>
+            <a:ext cx="4153030" cy="4763548"/>
           </a:xfrm>
           <a:prstGeom prst="rect">
             <a:avLst/>
@@ -9751,6 +9901,326 @@
           <p:cNvPr id="2" name="标题 1">
             <a:extLst>
               <a:ext uri="{FF2B5EF4-FFF2-40B4-BE49-F238E27FC236}">
+                <a16:creationId xmlns:a16="http://schemas.microsoft.com/office/drawing/2014/main" id="{B3B107ED-22D9-805A-B2AC-BB9760D8DF9D}"/>
+              </a:ext>
+            </a:extLst>
+          </p:cNvPr>
+          <p:cNvSpPr>
+            <a:spLocks noGrp="1"/>
+          </p:cNvSpPr>
+          <p:nvPr>
+            <p:ph type="title"/>
+          </p:nvPr>
+        </p:nvSpPr>
+        <p:spPr/>
+        <p:txBody>
+          <a:bodyPr/>
+          <a:lstStyle/>
+          <a:p>
+            <a:r>
+              <a:rPr lang="en-US" altLang="zh-CN" dirty="0">
+                <a:solidFill>
+                  <a:schemeClr val="accent6"/>
+                </a:solidFill>
+              </a:rPr>
+              <a:t>3.5.4 </a:t>
+            </a:r>
+            <a:r>
+              <a:rPr lang="zh-CN" altLang="en-US" dirty="0">
+                <a:solidFill>
+                  <a:schemeClr val="accent6"/>
+                </a:solidFill>
+              </a:rPr>
+              <a:t>云服务器</a:t>
+            </a:r>
+            <a:r>
+              <a:rPr lang="en-US" altLang="zh-CN" dirty="0">
+                <a:solidFill>
+                  <a:schemeClr val="accent6"/>
+                </a:solidFill>
+              </a:rPr>
+              <a:t>-Google</a:t>
+            </a:r>
+            <a:r>
+              <a:rPr lang="zh-CN" altLang="en-US" dirty="0">
+                <a:solidFill>
+                  <a:schemeClr val="accent6"/>
+                </a:solidFill>
+              </a:rPr>
+              <a:t>云</a:t>
+            </a:r>
+          </a:p>
+        </p:txBody>
+      </p:sp>
+      <p:sp>
+        <p:nvSpPr>
+          <p:cNvPr id="3" name="内容占位符 2">
+            <a:extLst>
+              <a:ext uri="{FF2B5EF4-FFF2-40B4-BE49-F238E27FC236}">
+                <a16:creationId xmlns:a16="http://schemas.microsoft.com/office/drawing/2014/main" id="{FE3C1CAD-8E3D-56E9-C5E4-77D12801437F}"/>
+              </a:ext>
+            </a:extLst>
+          </p:cNvPr>
+          <p:cNvSpPr>
+            <a:spLocks noGrp="1"/>
+          </p:cNvSpPr>
+          <p:nvPr>
+            <p:ph idx="1"/>
+          </p:nvPr>
+        </p:nvSpPr>
+        <p:spPr/>
+        <p:txBody>
+          <a:bodyPr>
+            <a:normAutofit fontScale="92500" lnSpcReduction="20000"/>
+          </a:bodyPr>
+          <a:lstStyle/>
+          <a:p>
+            <a:r>
+              <a:rPr lang="zh-CN" altLang="en-US" dirty="0">
+                <a:solidFill>
+                  <a:schemeClr val="accent4"/>
+                </a:solidFill>
+              </a:rPr>
+              <a:t>概述：</a:t>
+            </a:r>
+            <a:r>
+              <a:rPr lang="en-US" altLang="zh-CN" b="0" i="0" dirty="0">
+                <a:effectLst/>
+                <a:latin typeface="Inter"/>
+              </a:rPr>
+              <a:t>Google </a:t>
+            </a:r>
+            <a:r>
+              <a:rPr lang="zh-CN" altLang="en-US" b="0" i="0" dirty="0">
+                <a:effectLst/>
+                <a:latin typeface="Inter"/>
+              </a:rPr>
+              <a:t>云（</a:t>
+            </a:r>
+            <a:r>
+              <a:rPr lang="en-US" altLang="zh-CN" b="0" i="0" dirty="0">
+                <a:effectLst/>
+                <a:latin typeface="Inter"/>
+              </a:rPr>
+              <a:t>Google Cloud</a:t>
+            </a:r>
+            <a:r>
+              <a:rPr lang="zh-CN" altLang="en-US" b="0" i="0" dirty="0">
+                <a:effectLst/>
+                <a:latin typeface="Inter"/>
+              </a:rPr>
+              <a:t>）是谷歌提供的一套云计算服务，它包括了计算、存储、网络、数据库、机器学习等多种功能。这些服务可以帮助企业和开发者构建、部署和管理各种应用程序，无论是简单的网站还是复杂的企业级应用。</a:t>
+            </a:r>
+          </a:p>
+          <a:p>
+            <a:pPr algn="l">
+              <a:spcBef>
+                <a:spcPts val="600"/>
+              </a:spcBef>
+              <a:buFont typeface="Arial" panose="020B0604020202020204" pitchFamily="34" charset="0"/>
+              <a:buChar char="•"/>
+            </a:pPr>
+            <a:r>
+              <a:rPr lang="zh-CN" altLang="en-US" dirty="0">
+                <a:solidFill>
+                  <a:schemeClr val="accent4"/>
+                </a:solidFill>
+              </a:rPr>
+              <a:t>优势：</a:t>
+            </a:r>
+            <a:endParaRPr lang="en-US" altLang="zh-CN" dirty="0">
+              <a:solidFill>
+                <a:schemeClr val="accent4"/>
+              </a:solidFill>
+            </a:endParaRPr>
+          </a:p>
+          <a:p>
+            <a:pPr algn="l">
+              <a:spcBef>
+                <a:spcPts val="600"/>
+              </a:spcBef>
+              <a:buFont typeface="Arial" panose="020B0604020202020204" pitchFamily="34" charset="0"/>
+              <a:buChar char="•"/>
+            </a:pPr>
+            <a:r>
+              <a:rPr lang="zh-CN" altLang="en-US" b="1" i="0" dirty="0">
+                <a:effectLst/>
+                <a:latin typeface="Inter"/>
+              </a:rPr>
+              <a:t>强大的技术实力</a:t>
+            </a:r>
+            <a:r>
+              <a:rPr lang="zh-CN" altLang="en-US" b="0" i="0" dirty="0">
+                <a:effectLst/>
+                <a:latin typeface="Inter"/>
+              </a:rPr>
+              <a:t>：谷歌在搜索引擎、数据中心、人工智能等领域积累了大量的先进技术。这些技术为 </a:t>
+            </a:r>
+            <a:r>
+              <a:rPr lang="en-US" altLang="zh-CN" b="0" i="0" dirty="0">
+                <a:effectLst/>
+                <a:latin typeface="Inter"/>
+              </a:rPr>
+              <a:t>Google </a:t>
+            </a:r>
+            <a:r>
+              <a:rPr lang="zh-CN" altLang="en-US" b="0" i="0" dirty="0">
+                <a:effectLst/>
+                <a:latin typeface="Inter"/>
+              </a:rPr>
+              <a:t>云提供了坚实的基础。</a:t>
+            </a:r>
+          </a:p>
+          <a:p>
+            <a:pPr algn="l">
+              <a:spcBef>
+                <a:spcPts val="600"/>
+              </a:spcBef>
+              <a:buFont typeface="Arial" panose="020B0604020202020204" pitchFamily="34" charset="0"/>
+              <a:buChar char="•"/>
+            </a:pPr>
+            <a:r>
+              <a:rPr lang="zh-CN" altLang="en-US" b="1" i="0" dirty="0">
+                <a:effectLst/>
+                <a:latin typeface="Inter"/>
+              </a:rPr>
+              <a:t>全球基础设施网络</a:t>
+            </a:r>
+            <a:r>
+              <a:rPr lang="zh-CN" altLang="en-US" b="0" i="0" dirty="0">
+                <a:effectLst/>
+                <a:latin typeface="Inter"/>
+              </a:rPr>
+              <a:t>：</a:t>
+            </a:r>
+            <a:r>
+              <a:rPr lang="en-US" altLang="zh-CN" b="0" i="0" dirty="0">
+                <a:effectLst/>
+                <a:latin typeface="Inter"/>
+              </a:rPr>
+              <a:t>Google </a:t>
+            </a:r>
+            <a:r>
+              <a:rPr lang="zh-CN" altLang="en-US" b="0" i="0" dirty="0">
+                <a:effectLst/>
+                <a:latin typeface="Inter"/>
+              </a:rPr>
+              <a:t>云拥有遍布全球的数据中心，这意味着它可以为世界各地的用户提供低延迟、高带宽的服务。</a:t>
+            </a:r>
+            <a:endParaRPr lang="en-US" altLang="zh-CN" b="0" i="0" dirty="0">
+              <a:effectLst/>
+              <a:latin typeface="Inter"/>
+            </a:endParaRPr>
+          </a:p>
+          <a:p>
+            <a:pPr algn="l">
+              <a:spcBef>
+                <a:spcPts val="600"/>
+              </a:spcBef>
+              <a:buFont typeface="Arial" panose="020B0604020202020204" pitchFamily="34" charset="0"/>
+              <a:buChar char="•"/>
+            </a:pPr>
+            <a:r>
+              <a:rPr lang="zh-CN" altLang="en-US" b="1" i="0" dirty="0">
+                <a:effectLst/>
+                <a:latin typeface="Inter"/>
+              </a:rPr>
+              <a:t>安全性和合规性</a:t>
+            </a:r>
+            <a:r>
+              <a:rPr lang="zh-CN" altLang="en-US" b="0" i="0" dirty="0">
+                <a:effectLst/>
+                <a:latin typeface="Inter"/>
+              </a:rPr>
+              <a:t>：谷歌非常重视数据安全和隐私，采取了一系列措施来保护用户数据。同时，</a:t>
+            </a:r>
+            <a:r>
+              <a:rPr lang="en-US" altLang="zh-CN" b="0" i="0" dirty="0">
+                <a:effectLst/>
+                <a:latin typeface="Inter"/>
+              </a:rPr>
+              <a:t>Google </a:t>
+            </a:r>
+            <a:r>
+              <a:rPr lang="zh-CN" altLang="en-US" b="0" i="0" dirty="0">
+                <a:effectLst/>
+                <a:latin typeface="Inter"/>
+              </a:rPr>
+              <a:t>云服务符合各种国际和行业的合规标准，如 </a:t>
+            </a:r>
+            <a:r>
+              <a:rPr lang="en-US" altLang="zh-CN" b="0" i="0" dirty="0">
+                <a:effectLst/>
+                <a:latin typeface="Inter"/>
+              </a:rPr>
+              <a:t>ISO 27001</a:t>
+            </a:r>
+            <a:r>
+              <a:rPr lang="zh-CN" altLang="en-US" b="0" i="0" dirty="0">
+                <a:effectLst/>
+                <a:latin typeface="Inter"/>
+              </a:rPr>
+              <a:t>、</a:t>
+            </a:r>
+            <a:r>
+              <a:rPr lang="en-US" altLang="zh-CN" b="0" i="0" dirty="0">
+                <a:effectLst/>
+                <a:latin typeface="Inter"/>
+              </a:rPr>
+              <a:t>SOC 2 </a:t>
+            </a:r>
+            <a:r>
+              <a:rPr lang="zh-CN" altLang="en-US" b="0" i="0" dirty="0">
+                <a:effectLst/>
+                <a:latin typeface="Inter"/>
+              </a:rPr>
+              <a:t>等，这使得对数据安全和合规要求严格的行业（如金融、医疗）也能够放心使用。</a:t>
+            </a:r>
+          </a:p>
+          <a:p>
+            <a:endParaRPr lang="zh-CN" altLang="en-US" dirty="0">
+              <a:solidFill>
+                <a:schemeClr val="accent4"/>
+              </a:solidFill>
+            </a:endParaRPr>
+          </a:p>
+        </p:txBody>
+      </p:sp>
+    </p:spTree>
+    <p:extLst>
+      <p:ext uri="{BB962C8B-B14F-4D97-AF65-F5344CB8AC3E}">
+        <p14:creationId xmlns:p14="http://schemas.microsoft.com/office/powerpoint/2010/main" val="1350880539"/>
+      </p:ext>
+    </p:extLst>
+  </p:cSld>
+  <p:clrMapOvr>
+    <a:masterClrMapping/>
+  </p:clrMapOvr>
+</p:sld>
+</file>
+
+<file path=ppt/slides/slide18.xml><?xml version="1.0" encoding="utf-8"?>
+<p:sld xmlns:a="http://schemas.openxmlformats.org/drawingml/2006/main" xmlns:r="http://schemas.openxmlformats.org/officeDocument/2006/relationships" xmlns:p="http://schemas.openxmlformats.org/presentationml/2006/main">
+  <p:cSld>
+    <p:spTree>
+      <p:nvGrpSpPr>
+        <p:cNvPr id="1" name=""/>
+        <p:cNvGrpSpPr/>
+        <p:nvPr/>
+      </p:nvGrpSpPr>
+      <p:grpSpPr>
+        <a:xfrm>
+          <a:off x="0" y="0"/>
+          <a:ext cx="0" cy="0"/>
+          <a:chOff x="0" y="0"/>
+          <a:chExt cx="0" cy="0"/>
+        </a:xfrm>
+      </p:grpSpPr>
+      <p:sp>
+        <p:nvSpPr>
+          <p:cNvPr id="2" name="标题 1">
+            <a:extLst>
+              <a:ext uri="{FF2B5EF4-FFF2-40B4-BE49-F238E27FC236}">
                 <a16:creationId xmlns:a16="http://schemas.microsoft.com/office/drawing/2014/main" id="{004808FC-3FDE-3F2F-37C4-1CEAD4E60C00}"/>
               </a:ext>
             </a:extLst>
@@ -9773,7 +10243,7 @@
                   <a:schemeClr val="accent6"/>
                 </a:solidFill>
               </a:rPr>
-              <a:t>3.5.4 </a:t>
+              <a:t>3.5.5 </a:t>
             </a:r>
             <a:r>
               <a:rPr lang="zh-CN" altLang="en-US" dirty="0">
@@ -9991,7 +10461,11 @@
               <a:t>，没有过多复杂的元素干扰。界面提供</a:t>
             </a:r>
             <a:r>
-              <a:rPr lang="zh-CN" altLang="en-US" b="1" dirty="0"/>
+              <a:rPr lang="zh-CN" altLang="en-US" dirty="0">
+                <a:solidFill>
+                  <a:schemeClr val="accent4"/>
+                </a:solidFill>
+              </a:rPr>
               <a:t>清晰的</a:t>
             </a:r>
             <a:r>
@@ -9999,7 +10473,11 @@
               <a:t>拍照按钮和从相册选择图片的按钮，识别结果以</a:t>
             </a:r>
             <a:r>
-              <a:rPr lang="zh-CN" altLang="en-US" b="1" dirty="0"/>
+              <a:rPr lang="zh-CN" altLang="en-US" dirty="0">
+                <a:solidFill>
+                  <a:schemeClr val="accent4"/>
+                </a:solidFill>
+              </a:rPr>
               <a:t>大而清晰</a:t>
             </a:r>
             <a:r>
@@ -10349,7 +10827,7 @@
 </p:sld>
 </file>
 
-<file path=ppt/slides/slide18.xml><?xml version="1.0" encoding="utf-8"?>
+<file path=ppt/slides/slide19.xml><?xml version="1.0" encoding="utf-8"?>
 <p:sld xmlns:a="http://schemas.openxmlformats.org/drawingml/2006/main" xmlns:r="http://schemas.openxmlformats.org/officeDocument/2006/relationships" xmlns:p="http://schemas.openxmlformats.org/presentationml/2006/main">
   <p:cSld>
     <p:spTree>
@@ -10403,15 +10881,28 @@
               </a:rPr>
               <a:t>软件质量工具使用</a:t>
             </a:r>
+            <a:r>
+              <a:rPr lang="en-US" altLang="zh-CN" dirty="0">
+                <a:solidFill>
+                  <a:schemeClr val="accent6"/>
+                </a:solidFill>
+              </a:rPr>
+              <a:t>-Lint</a:t>
+            </a:r>
+            <a:endParaRPr lang="zh-CN" altLang="en-US" dirty="0">
+              <a:solidFill>
+                <a:schemeClr val="accent6"/>
+              </a:solidFill>
+            </a:endParaRPr>
           </a:p>
         </p:txBody>
       </p:sp>
       <p:sp>
         <p:nvSpPr>
-          <p:cNvPr id="3" name="内容占位符 2">
+          <p:cNvPr id="11" name="内容占位符 10">
             <a:extLst>
               <a:ext uri="{FF2B5EF4-FFF2-40B4-BE49-F238E27FC236}">
-                <a16:creationId xmlns:a16="http://schemas.microsoft.com/office/drawing/2014/main" id="{3A4A533B-EDA2-8249-24FD-DFE2AB29B700}"/>
+                <a16:creationId xmlns:a16="http://schemas.microsoft.com/office/drawing/2014/main" id="{F32D7559-890F-90B7-7F1E-E88297BC39E3}"/>
               </a:ext>
             </a:extLst>
           </p:cNvPr>
@@ -10427,128 +10918,153 @@
           <a:bodyPr/>
           <a:lstStyle/>
           <a:p>
+            <a:r>
+              <a:rPr lang="zh-CN" altLang="en-US" b="0" i="0" dirty="0">
+                <a:solidFill>
+                  <a:schemeClr val="accent6"/>
+                </a:solidFill>
+                <a:effectLst/>
+                <a:latin typeface="Inter"/>
+              </a:rPr>
+              <a:t>定义：</a:t>
+            </a:r>
+            <a:r>
+              <a:rPr lang="zh-CN" altLang="en-US" b="0" i="0" dirty="0">
+                <a:effectLst/>
+                <a:latin typeface="Inter"/>
+              </a:rPr>
+              <a:t>在 </a:t>
+            </a:r>
+            <a:r>
+              <a:rPr lang="en-US" altLang="zh-CN" b="0" i="0" dirty="0">
+                <a:effectLst/>
+                <a:latin typeface="Inter"/>
+              </a:rPr>
+              <a:t>Android </a:t>
+            </a:r>
+            <a:r>
+              <a:rPr lang="zh-CN" altLang="en-US" b="0" i="0" dirty="0">
+                <a:effectLst/>
+                <a:latin typeface="Inter"/>
+              </a:rPr>
+              <a:t>开发中，</a:t>
+            </a:r>
+            <a:r>
+              <a:rPr lang="en-US" altLang="zh-CN" b="0" i="0" dirty="0">
+                <a:effectLst/>
+                <a:latin typeface="Inter"/>
+              </a:rPr>
+              <a:t>Lint </a:t>
+            </a:r>
+            <a:r>
+              <a:rPr lang="zh-CN" altLang="en-US" b="0" i="0" dirty="0">
+                <a:effectLst/>
+                <a:latin typeface="Inter"/>
+              </a:rPr>
+              <a:t>是一个静态代码分析工具。它可以检查 </a:t>
+            </a:r>
+            <a:r>
+              <a:rPr lang="en-US" altLang="zh-CN" b="0" i="0" dirty="0">
+                <a:effectLst/>
+                <a:latin typeface="Inter"/>
+              </a:rPr>
+              <a:t>Android </a:t>
+            </a:r>
+            <a:r>
+              <a:rPr lang="zh-CN" altLang="en-US" b="0" i="0" dirty="0">
+                <a:effectLst/>
+                <a:latin typeface="Inter"/>
+              </a:rPr>
+              <a:t>项目中的源文件（包括 </a:t>
+            </a:r>
+            <a:r>
+              <a:rPr lang="en-US" altLang="zh-CN" b="0" i="0" dirty="0">
+                <a:effectLst/>
+                <a:latin typeface="Inter"/>
+              </a:rPr>
+              <a:t>Java </a:t>
+            </a:r>
+            <a:r>
+              <a:rPr lang="zh-CN" altLang="en-US" b="0" i="0" dirty="0">
+                <a:effectLst/>
+                <a:latin typeface="Inter"/>
+              </a:rPr>
+              <a:t>代码、</a:t>
+            </a:r>
+            <a:r>
+              <a:rPr lang="en-US" altLang="zh-CN" b="0" i="0" dirty="0">
+                <a:effectLst/>
+                <a:latin typeface="Inter"/>
+              </a:rPr>
+              <a:t>XML </a:t>
+            </a:r>
+            <a:r>
+              <a:rPr lang="zh-CN" altLang="en-US" b="0" i="0" dirty="0">
+                <a:effectLst/>
+                <a:latin typeface="Inter"/>
+              </a:rPr>
+              <a:t>布局文件等），发现潜在的错误、性能问题、安全漏洞、可访问性问题以及代码风格不符合 </a:t>
+            </a:r>
+            <a:r>
+              <a:rPr lang="en-US" altLang="zh-CN" b="0" i="0" dirty="0">
+                <a:effectLst/>
+                <a:latin typeface="Inter"/>
+              </a:rPr>
+              <a:t>Android </a:t>
+            </a:r>
+            <a:r>
+              <a:rPr lang="zh-CN" altLang="en-US" b="0" i="0" dirty="0">
+                <a:effectLst/>
+                <a:latin typeface="Inter"/>
+              </a:rPr>
+              <a:t>开发最佳实践等情况。</a:t>
+            </a:r>
+          </a:p>
+          <a:p>
             <a:endParaRPr lang="zh-CN" altLang="en-US" dirty="0"/>
           </a:p>
         </p:txBody>
       </p:sp>
+      <p:pic>
+        <p:nvPicPr>
+          <p:cNvPr id="13" name="图片 12">
+            <a:extLst>
+              <a:ext uri="{FF2B5EF4-FFF2-40B4-BE49-F238E27FC236}">
+                <a16:creationId xmlns:a16="http://schemas.microsoft.com/office/drawing/2014/main" id="{7C11E7C8-1662-4A05-BC3F-F4E728DF523E}"/>
+              </a:ext>
+            </a:extLst>
+          </p:cNvPr>
+          <p:cNvPicPr>
+            <a:picLocks noChangeAspect="1"/>
+          </p:cNvPicPr>
+          <p:nvPr/>
+        </p:nvPicPr>
+        <p:blipFill>
+          <a:blip r:embed="rId2">
+            <a:extLst>
+              <a:ext uri="{28A0092B-C50C-407E-A947-70E740481C1C}">
+                <a14:useLocalDpi xmlns:a14="http://schemas.microsoft.com/office/drawing/2010/main" val="0"/>
+              </a:ext>
+            </a:extLst>
+          </a:blip>
+          <a:stretch>
+            <a:fillRect/>
+          </a:stretch>
+        </p:blipFill>
+        <p:spPr>
+          <a:xfrm>
+            <a:off x="1094282" y="3429000"/>
+            <a:ext cx="5906125" cy="3137629"/>
+          </a:xfrm>
+          <a:prstGeom prst="rect">
+            <a:avLst/>
+          </a:prstGeom>
+        </p:spPr>
+      </p:pic>
     </p:spTree>
     <p:extLst>
       <p:ext uri="{BB962C8B-B14F-4D97-AF65-F5344CB8AC3E}">
         <p14:creationId xmlns:p14="http://schemas.microsoft.com/office/powerpoint/2010/main" val="3066266864"/>
-      </p:ext>
-    </p:extLst>
-  </p:cSld>
-  <p:clrMapOvr>
-    <a:masterClrMapping/>
-  </p:clrMapOvr>
-</p:sld>
-</file>
-
-<file path=ppt/slides/slide19.xml><?xml version="1.0" encoding="utf-8"?>
-<p:sld xmlns:a="http://schemas.openxmlformats.org/drawingml/2006/main" xmlns:r="http://schemas.openxmlformats.org/officeDocument/2006/relationships" xmlns:p="http://schemas.openxmlformats.org/presentationml/2006/main">
-  <p:cSld>
-    <p:spTree>
-      <p:nvGrpSpPr>
-        <p:cNvPr id="1" name=""/>
-        <p:cNvGrpSpPr/>
-        <p:nvPr/>
-      </p:nvGrpSpPr>
-      <p:grpSpPr>
-        <a:xfrm>
-          <a:off x="0" y="0"/>
-          <a:ext cx="0" cy="0"/>
-          <a:chOff x="0" y="0"/>
-          <a:chExt cx="0" cy="0"/>
-        </a:xfrm>
-      </p:grpSpPr>
-      <p:sp>
-        <p:nvSpPr>
-          <p:cNvPr id="2" name="标题 1">
-            <a:extLst>
-              <a:ext uri="{FF2B5EF4-FFF2-40B4-BE49-F238E27FC236}">
-                <a16:creationId xmlns:a16="http://schemas.microsoft.com/office/drawing/2014/main" id="{E27B2251-7EC0-7A1D-BFF6-730C6B4B9AE2}"/>
-              </a:ext>
-            </a:extLst>
-          </p:cNvPr>
-          <p:cNvSpPr>
-            <a:spLocks noGrp="1"/>
-          </p:cNvSpPr>
-          <p:nvPr>
-            <p:ph type="title"/>
-          </p:nvPr>
-        </p:nvSpPr>
-        <p:spPr/>
-        <p:txBody>
-          <a:bodyPr/>
-          <a:lstStyle/>
-          <a:p>
-            <a:r>
-              <a:rPr lang="en-US" altLang="zh-CN" dirty="0">
-                <a:solidFill>
-                  <a:schemeClr val="accent6"/>
-                </a:solidFill>
-              </a:rPr>
-              <a:t>3.7 </a:t>
-            </a:r>
-            <a:r>
-              <a:rPr lang="zh-CN" altLang="en-US" dirty="0">
-                <a:solidFill>
-                  <a:schemeClr val="accent6"/>
-                </a:solidFill>
-              </a:rPr>
-              <a:t>代码统计</a:t>
-            </a:r>
-          </a:p>
-        </p:txBody>
-      </p:sp>
-      <p:sp>
-        <p:nvSpPr>
-          <p:cNvPr id="3" name="内容占位符 2">
-            <a:extLst>
-              <a:ext uri="{FF2B5EF4-FFF2-40B4-BE49-F238E27FC236}">
-                <a16:creationId xmlns:a16="http://schemas.microsoft.com/office/drawing/2014/main" id="{C7A110E1-F434-DE69-E933-2E1EDB8A2ED4}"/>
-              </a:ext>
-            </a:extLst>
-          </p:cNvPr>
-          <p:cNvSpPr>
-            <a:spLocks noGrp="1"/>
-          </p:cNvSpPr>
-          <p:nvPr>
-            <p:ph idx="1"/>
-          </p:nvPr>
-        </p:nvSpPr>
-        <p:spPr/>
-        <p:txBody>
-          <a:bodyPr/>
-          <a:lstStyle/>
-          <a:p>
-            <a:r>
-              <a:rPr lang="zh-CN" altLang="en-US" dirty="0"/>
-              <a:t>模块数：</a:t>
-            </a:r>
-            <a:endParaRPr lang="en-US" altLang="zh-CN" dirty="0"/>
-          </a:p>
-          <a:p>
-            <a:endParaRPr lang="en-US" altLang="zh-CN" dirty="0"/>
-          </a:p>
-          <a:p>
-            <a:endParaRPr lang="en-US" altLang="zh-CN" dirty="0"/>
-          </a:p>
-          <a:p>
-            <a:endParaRPr lang="en-US" altLang="zh-CN" dirty="0"/>
-          </a:p>
-          <a:p>
-            <a:r>
-              <a:rPr lang="zh-CN" altLang="en-US" dirty="0"/>
-              <a:t>行数：</a:t>
-            </a:r>
-          </a:p>
-        </p:txBody>
-      </p:sp>
-    </p:spTree>
-    <p:extLst>
-      <p:ext uri="{BB962C8B-B14F-4D97-AF65-F5344CB8AC3E}">
-        <p14:creationId xmlns:p14="http://schemas.microsoft.com/office/powerpoint/2010/main" val="29354293"/>
       </p:ext>
     </p:extLst>
   </p:cSld>
@@ -11096,6 +11612,565 @@
       </p:par>
     </p:tnLst>
   </p:timing>
+</p:sld>
+</file>
+
+<file path=ppt/slides/slide20.xml><?xml version="1.0" encoding="utf-8"?>
+<p:sld xmlns:a="http://schemas.openxmlformats.org/drawingml/2006/main" xmlns:r="http://schemas.openxmlformats.org/officeDocument/2006/relationships" xmlns:p="http://schemas.openxmlformats.org/presentationml/2006/main">
+  <p:cSld>
+    <p:spTree>
+      <p:nvGrpSpPr>
+        <p:cNvPr id="1" name=""/>
+        <p:cNvGrpSpPr/>
+        <p:nvPr/>
+      </p:nvGrpSpPr>
+      <p:grpSpPr>
+        <a:xfrm>
+          <a:off x="0" y="0"/>
+          <a:ext cx="0" cy="0"/>
+          <a:chOff x="0" y="0"/>
+          <a:chExt cx="0" cy="0"/>
+        </a:xfrm>
+      </p:grpSpPr>
+      <p:sp>
+        <p:nvSpPr>
+          <p:cNvPr id="2" name="标题 1">
+            <a:extLst>
+              <a:ext uri="{FF2B5EF4-FFF2-40B4-BE49-F238E27FC236}">
+                <a16:creationId xmlns:a16="http://schemas.microsoft.com/office/drawing/2014/main" id="{E27B2251-7EC0-7A1D-BFF6-730C6B4B9AE2}"/>
+              </a:ext>
+            </a:extLst>
+          </p:cNvPr>
+          <p:cNvSpPr>
+            <a:spLocks noGrp="1"/>
+          </p:cNvSpPr>
+          <p:nvPr>
+            <p:ph type="title"/>
+          </p:nvPr>
+        </p:nvSpPr>
+        <p:spPr/>
+        <p:txBody>
+          <a:bodyPr/>
+          <a:lstStyle/>
+          <a:p>
+            <a:r>
+              <a:rPr lang="en-US" altLang="zh-CN" dirty="0">
+                <a:solidFill>
+                  <a:schemeClr val="accent6"/>
+                </a:solidFill>
+              </a:rPr>
+              <a:t>3.7 </a:t>
+            </a:r>
+            <a:r>
+              <a:rPr lang="zh-CN" altLang="en-US" dirty="0">
+                <a:solidFill>
+                  <a:schemeClr val="accent6"/>
+                </a:solidFill>
+              </a:rPr>
+              <a:t>代码统计</a:t>
+            </a:r>
+          </a:p>
+        </p:txBody>
+      </p:sp>
+      <p:sp>
+        <p:nvSpPr>
+          <p:cNvPr id="3" name="内容占位符 2">
+            <a:extLst>
+              <a:ext uri="{FF2B5EF4-FFF2-40B4-BE49-F238E27FC236}">
+                <a16:creationId xmlns:a16="http://schemas.microsoft.com/office/drawing/2014/main" id="{C7A110E1-F434-DE69-E933-2E1EDB8A2ED4}"/>
+              </a:ext>
+            </a:extLst>
+          </p:cNvPr>
+          <p:cNvSpPr>
+            <a:spLocks noGrp="1"/>
+          </p:cNvSpPr>
+          <p:nvPr>
+            <p:ph idx="1"/>
+          </p:nvPr>
+        </p:nvSpPr>
+        <p:spPr/>
+        <p:txBody>
+          <a:bodyPr/>
+          <a:lstStyle/>
+          <a:p>
+            <a:r>
+              <a:rPr lang="zh-CN" altLang="en-US" dirty="0"/>
+              <a:t>模块数：</a:t>
+            </a:r>
+            <a:endParaRPr lang="en-US" altLang="zh-CN" dirty="0"/>
+          </a:p>
+          <a:p>
+            <a:endParaRPr lang="en-US" altLang="zh-CN" dirty="0"/>
+          </a:p>
+          <a:p>
+            <a:endParaRPr lang="en-US" altLang="zh-CN" dirty="0"/>
+          </a:p>
+          <a:p>
+            <a:endParaRPr lang="en-US" altLang="zh-CN" dirty="0"/>
+          </a:p>
+          <a:p>
+            <a:r>
+              <a:rPr lang="zh-CN" altLang="en-US" dirty="0"/>
+              <a:t>行数：</a:t>
+            </a:r>
+          </a:p>
+        </p:txBody>
+      </p:sp>
+      <p:pic>
+        <p:nvPicPr>
+          <p:cNvPr id="5" name="图片 4">
+            <a:extLst>
+              <a:ext uri="{FF2B5EF4-FFF2-40B4-BE49-F238E27FC236}">
+                <a16:creationId xmlns:a16="http://schemas.microsoft.com/office/drawing/2014/main" id="{3F1B9375-FA1D-EA9E-F3D6-EA6F9B7DD635}"/>
+              </a:ext>
+            </a:extLst>
+          </p:cNvPr>
+          <p:cNvPicPr>
+            <a:picLocks noChangeAspect="1"/>
+          </p:cNvPicPr>
+          <p:nvPr/>
+        </p:nvPicPr>
+        <p:blipFill>
+          <a:blip r:embed="rId2">
+            <a:extLst>
+              <a:ext uri="{28A0092B-C50C-407E-A947-70E740481C1C}">
+                <a14:useLocalDpi xmlns:a14="http://schemas.microsoft.com/office/drawing/2010/main" val="0"/>
+              </a:ext>
+            </a:extLst>
+          </a:blip>
+          <a:stretch>
+            <a:fillRect/>
+          </a:stretch>
+        </p:blipFill>
+        <p:spPr>
+          <a:xfrm>
+            <a:off x="2351723" y="1825625"/>
+            <a:ext cx="2933509" cy="2014661"/>
+          </a:xfrm>
+          <a:prstGeom prst="rect">
+            <a:avLst/>
+          </a:prstGeom>
+        </p:spPr>
+      </p:pic>
+      <p:graphicFrame>
+        <p:nvGraphicFramePr>
+          <p:cNvPr id="6" name="表格 5">
+            <a:extLst>
+              <a:ext uri="{FF2B5EF4-FFF2-40B4-BE49-F238E27FC236}">
+                <a16:creationId xmlns:a16="http://schemas.microsoft.com/office/drawing/2014/main" id="{0593556D-8962-A267-A271-1AAD0B05CB22}"/>
+              </a:ext>
+            </a:extLst>
+          </p:cNvPr>
+          <p:cNvGraphicFramePr>
+            <a:graphicFrameLocks noGrp="1"/>
+          </p:cNvGraphicFramePr>
+          <p:nvPr>
+            <p:extLst>
+              <p:ext uri="{D42A27DB-BD31-4B8C-83A1-F6EECF244321}">
+                <p14:modId xmlns:p14="http://schemas.microsoft.com/office/powerpoint/2010/main" val="699665464"/>
+              </p:ext>
+            </p:extLst>
+          </p:nvPr>
+        </p:nvGraphicFramePr>
+        <p:xfrm>
+          <a:off x="838200" y="4368414"/>
+          <a:ext cx="10884407" cy="1483366"/>
+        </p:xfrm>
+        <a:graphic>
+          <a:graphicData uri="http://schemas.openxmlformats.org/drawingml/2006/table">
+            <a:tbl>
+              <a:tblPr firstRow="1" bandRow="1">
+                <a:tableStyleId>{93296810-A885-4BE3-A3E7-6D5BEEA58F35}</a:tableStyleId>
+              </a:tblPr>
+              <a:tblGrid>
+                <a:gridCol w="1360551">
+                  <a:extLst>
+                    <a:ext uri="{9D8B030D-6E8A-4147-A177-3AD203B41FA5}">
+                      <a16:colId xmlns:a16="http://schemas.microsoft.com/office/drawing/2014/main" val="2243044918"/>
+                    </a:ext>
+                  </a:extLst>
+                </a:gridCol>
+                <a:gridCol w="1360551">
+                  <a:extLst>
+                    <a:ext uri="{9D8B030D-6E8A-4147-A177-3AD203B41FA5}">
+                      <a16:colId xmlns:a16="http://schemas.microsoft.com/office/drawing/2014/main" val="4270879870"/>
+                    </a:ext>
+                  </a:extLst>
+                </a:gridCol>
+                <a:gridCol w="1470559">
+                  <a:extLst>
+                    <a:ext uri="{9D8B030D-6E8A-4147-A177-3AD203B41FA5}">
+                      <a16:colId xmlns:a16="http://schemas.microsoft.com/office/drawing/2014/main" val="2755432345"/>
+                    </a:ext>
+                  </a:extLst>
+                </a:gridCol>
+                <a:gridCol w="996035">
+                  <a:extLst>
+                    <a:ext uri="{9D8B030D-6E8A-4147-A177-3AD203B41FA5}">
+                      <a16:colId xmlns:a16="http://schemas.microsoft.com/office/drawing/2014/main" val="1956670562"/>
+                    </a:ext>
+                  </a:extLst>
+                </a:gridCol>
+                <a:gridCol w="2304288">
+                  <a:extLst>
+                    <a:ext uri="{9D8B030D-6E8A-4147-A177-3AD203B41FA5}">
+                      <a16:colId xmlns:a16="http://schemas.microsoft.com/office/drawing/2014/main" val="2735140936"/>
+                    </a:ext>
+                  </a:extLst>
+                </a:gridCol>
+                <a:gridCol w="1517904">
+                  <a:extLst>
+                    <a:ext uri="{9D8B030D-6E8A-4147-A177-3AD203B41FA5}">
+                      <a16:colId xmlns:a16="http://schemas.microsoft.com/office/drawing/2014/main" val="1686684289"/>
+                    </a:ext>
+                  </a:extLst>
+                </a:gridCol>
+                <a:gridCol w="731520">
+                  <a:extLst>
+                    <a:ext uri="{9D8B030D-6E8A-4147-A177-3AD203B41FA5}">
+                      <a16:colId xmlns:a16="http://schemas.microsoft.com/office/drawing/2014/main" val="396355105"/>
+                    </a:ext>
+                  </a:extLst>
+                </a:gridCol>
+                <a:gridCol w="1142999">
+                  <a:extLst>
+                    <a:ext uri="{9D8B030D-6E8A-4147-A177-3AD203B41FA5}">
+                      <a16:colId xmlns:a16="http://schemas.microsoft.com/office/drawing/2014/main" val="4097148574"/>
+                    </a:ext>
+                  </a:extLst>
+                </a:gridCol>
+              </a:tblGrid>
+              <a:tr h="952071">
+                <a:tc>
+                  <a:txBody>
+                    <a:bodyPr/>
+                    <a:lstStyle/>
+                    <a:p>
+                      <a:endParaRPr lang="zh-CN" altLang="en-US" dirty="0"/>
+                    </a:p>
+                  </a:txBody>
+                  <a:tcPr/>
+                </a:tc>
+                <a:tc>
+                  <a:txBody>
+                    <a:bodyPr/>
+                    <a:lstStyle/>
+                    <a:p>
+                      <a:r>
+                        <a:rPr lang="en-US" altLang="zh-CN" dirty="0" err="1"/>
+                        <a:t>CarouselAdapter</a:t>
+                      </a:r>
+                      <a:endParaRPr lang="zh-CN" altLang="en-US" dirty="0"/>
+                    </a:p>
+                  </a:txBody>
+                  <a:tcPr/>
+                </a:tc>
+                <a:tc>
+                  <a:txBody>
+                    <a:bodyPr/>
+                    <a:lstStyle/>
+                    <a:p>
+                      <a:r>
+                        <a:rPr lang="en-US" altLang="zh-CN" dirty="0" err="1"/>
+                        <a:t>GarbageClassificationService</a:t>
+                      </a:r>
+                      <a:endParaRPr lang="zh-CN" altLang="en-US" dirty="0"/>
+                    </a:p>
+                  </a:txBody>
+                  <a:tcPr/>
+                </a:tc>
+                <a:tc>
+                  <a:txBody>
+                    <a:bodyPr/>
+                    <a:lstStyle/>
+                    <a:p>
+                      <a:r>
+                        <a:rPr lang="en-US" altLang="zh-CN" dirty="0" err="1"/>
+                        <a:t>HttpGet</a:t>
+                      </a:r>
+                      <a:endParaRPr lang="en-US" altLang="zh-CN" dirty="0"/>
+                    </a:p>
+                    <a:p>
+                      <a:endParaRPr lang="zh-CN" altLang="en-US" dirty="0"/>
+                    </a:p>
+                  </a:txBody>
+                  <a:tcPr/>
+                </a:tc>
+                <a:tc>
+                  <a:txBody>
+                    <a:bodyPr/>
+                    <a:lstStyle/>
+                    <a:p>
+                      <a:r>
+                        <a:rPr lang="en-US" altLang="zh-CN" dirty="0" err="1"/>
+                        <a:t>ImageInferenceAsyncTask</a:t>
+                      </a:r>
+                      <a:endParaRPr lang="zh-CN" altLang="en-US" dirty="0"/>
+                    </a:p>
+                  </a:txBody>
+                  <a:tcPr/>
+                </a:tc>
+                <a:tc>
+                  <a:txBody>
+                    <a:bodyPr/>
+                    <a:lstStyle/>
+                    <a:p>
+                      <a:r>
+                        <a:rPr lang="en-US" altLang="zh-CN" dirty="0" err="1"/>
+                        <a:t>MainActivity</a:t>
+                      </a:r>
+                      <a:endParaRPr lang="zh-CN" altLang="en-US" dirty="0"/>
+                    </a:p>
+                  </a:txBody>
+                  <a:tcPr/>
+                </a:tc>
+                <a:tc>
+                  <a:txBody>
+                    <a:bodyPr/>
+                    <a:lstStyle/>
+                    <a:p>
+                      <a:r>
+                        <a:rPr lang="en-US" altLang="zh-CN" dirty="0"/>
+                        <a:t>MD5</a:t>
+                      </a:r>
+                      <a:endParaRPr lang="zh-CN" altLang="en-US" dirty="0"/>
+                    </a:p>
+                  </a:txBody>
+                  <a:tcPr/>
+                </a:tc>
+                <a:tc>
+                  <a:txBody>
+                    <a:bodyPr/>
+                    <a:lstStyle/>
+                    <a:p>
+                      <a:r>
+                        <a:rPr lang="en-US" altLang="zh-CN" dirty="0" err="1"/>
+                        <a:t>TransApi</a:t>
+                      </a:r>
+                      <a:endParaRPr lang="zh-CN" altLang="en-US" dirty="0"/>
+                    </a:p>
+                  </a:txBody>
+                  <a:tcPr/>
+                </a:tc>
+                <a:extLst>
+                  <a:ext uri="{0D108BD9-81ED-4DB2-BD59-A6C34878D82A}">
+                    <a16:rowId xmlns:a16="http://schemas.microsoft.com/office/drawing/2014/main" val="3735726757"/>
+                  </a:ext>
+                </a:extLst>
+              </a:tr>
+              <a:tr h="531295">
+                <a:tc>
+                  <a:txBody>
+                    <a:bodyPr/>
+                    <a:lstStyle/>
+                    <a:p>
+                      <a:r>
+                        <a:rPr lang="zh-CN" altLang="en-US" dirty="0">
+                          <a:solidFill>
+                            <a:schemeClr val="tx1"/>
+                          </a:solidFill>
+                        </a:rPr>
+                        <a:t>代码行数</a:t>
+                      </a:r>
+                    </a:p>
+                  </a:txBody>
+                  <a:tcPr/>
+                </a:tc>
+                <a:tc>
+                  <a:txBody>
+                    <a:bodyPr/>
+                    <a:lstStyle/>
+                    <a:p>
+                      <a:pPr algn="ctr"/>
+                      <a:r>
+                        <a:rPr lang="en-US" altLang="zh-CN" dirty="0"/>
+                        <a:t>47</a:t>
+                      </a:r>
+                      <a:endParaRPr lang="zh-CN" altLang="en-US" dirty="0"/>
+                    </a:p>
+                  </a:txBody>
+                  <a:tcPr/>
+                </a:tc>
+                <a:tc>
+                  <a:txBody>
+                    <a:bodyPr/>
+                    <a:lstStyle/>
+                    <a:p>
+                      <a:pPr algn="ctr"/>
+                      <a:r>
+                        <a:rPr lang="en-US" altLang="zh-CN" dirty="0"/>
+                        <a:t>69</a:t>
+                      </a:r>
+                      <a:endParaRPr lang="zh-CN" altLang="en-US" dirty="0"/>
+                    </a:p>
+                  </a:txBody>
+                  <a:tcPr/>
+                </a:tc>
+                <a:tc>
+                  <a:txBody>
+                    <a:bodyPr/>
+                    <a:lstStyle/>
+                    <a:p>
+                      <a:pPr algn="ctr"/>
+                      <a:r>
+                        <a:rPr lang="en-US" altLang="zh-CN" dirty="0"/>
+                        <a:t>159</a:t>
+                      </a:r>
+                      <a:endParaRPr lang="zh-CN" altLang="en-US" dirty="0"/>
+                    </a:p>
+                  </a:txBody>
+                  <a:tcPr/>
+                </a:tc>
+                <a:tc>
+                  <a:txBody>
+                    <a:bodyPr/>
+                    <a:lstStyle/>
+                    <a:p>
+                      <a:pPr algn="ctr"/>
+                      <a:r>
+                        <a:rPr lang="en-US" altLang="zh-CN" dirty="0"/>
+                        <a:t>83</a:t>
+                      </a:r>
+                      <a:endParaRPr lang="zh-CN" altLang="en-US" dirty="0"/>
+                    </a:p>
+                  </a:txBody>
+                  <a:tcPr/>
+                </a:tc>
+                <a:tc>
+                  <a:txBody>
+                    <a:bodyPr/>
+                    <a:lstStyle/>
+                    <a:p>
+                      <a:pPr algn="ctr"/>
+                      <a:r>
+                        <a:rPr lang="en-US" altLang="zh-CN" dirty="0"/>
+                        <a:t>509</a:t>
+                      </a:r>
+                      <a:endParaRPr lang="zh-CN" altLang="en-US" dirty="0"/>
+                    </a:p>
+                  </a:txBody>
+                  <a:tcPr/>
+                </a:tc>
+                <a:tc>
+                  <a:txBody>
+                    <a:bodyPr/>
+                    <a:lstStyle/>
+                    <a:p>
+                      <a:pPr algn="ctr"/>
+                      <a:r>
+                        <a:rPr lang="en-US" altLang="zh-CN" dirty="0"/>
+                        <a:t>127</a:t>
+                      </a:r>
+                      <a:endParaRPr lang="zh-CN" altLang="en-US" dirty="0"/>
+                    </a:p>
+                  </a:txBody>
+                  <a:tcPr/>
+                </a:tc>
+                <a:tc>
+                  <a:txBody>
+                    <a:bodyPr/>
+                    <a:lstStyle/>
+                    <a:p>
+                      <a:pPr algn="ctr"/>
+                      <a:r>
+                        <a:rPr lang="en-US" altLang="zh-CN" dirty="0"/>
+                        <a:t>41</a:t>
+                      </a:r>
+                      <a:endParaRPr lang="zh-CN" altLang="en-US" dirty="0"/>
+                    </a:p>
+                  </a:txBody>
+                  <a:tcPr/>
+                </a:tc>
+                <a:extLst>
+                  <a:ext uri="{0D108BD9-81ED-4DB2-BD59-A6C34878D82A}">
+                    <a16:rowId xmlns:a16="http://schemas.microsoft.com/office/drawing/2014/main" val="4219916848"/>
+                  </a:ext>
+                </a:extLst>
+              </a:tr>
+            </a:tbl>
+          </a:graphicData>
+        </a:graphic>
+      </p:graphicFrame>
+      <p:sp>
+        <p:nvSpPr>
+          <p:cNvPr id="4" name="文本框 3">
+            <a:extLst>
+              <a:ext uri="{FF2B5EF4-FFF2-40B4-BE49-F238E27FC236}">
+                <a16:creationId xmlns:a16="http://schemas.microsoft.com/office/drawing/2014/main" id="{065FD7F6-5B94-C7CD-130E-7D73057FEB30}"/>
+              </a:ext>
+            </a:extLst>
+          </p:cNvPr>
+          <p:cNvSpPr txBox="1"/>
+          <p:nvPr/>
+        </p:nvSpPr>
+        <p:spPr>
+          <a:xfrm>
+            <a:off x="5374640" y="1930400"/>
+            <a:ext cx="6347967" cy="2031325"/>
+          </a:xfrm>
+          <a:prstGeom prst="rect">
+            <a:avLst/>
+          </a:prstGeom>
+          <a:noFill/>
+        </p:spPr>
+        <p:txBody>
+          <a:bodyPr wrap="square" rtlCol="0">
+            <a:spAutoFit/>
+          </a:bodyPr>
+          <a:lstStyle/>
+          <a:p>
+            <a:r>
+              <a:rPr lang="en-US" altLang="zh-CN" dirty="0" err="1"/>
+              <a:t>mainActivity</a:t>
+            </a:r>
+            <a:r>
+              <a:rPr lang="zh-CN" altLang="en-US" dirty="0"/>
+              <a:t>：包含了权限请求、拍照、从图库选择图片、图片处理和垃圾分类识别等功能</a:t>
+            </a:r>
+            <a:endParaRPr lang="en-US" altLang="zh-CN" dirty="0"/>
+          </a:p>
+          <a:p>
+            <a:r>
+              <a:rPr lang="en-US" altLang="zh-CN" dirty="0" err="1"/>
+              <a:t>ImageInferenceAsyncTask</a:t>
+            </a:r>
+            <a:r>
+              <a:rPr lang="zh-CN" altLang="en-US" dirty="0"/>
+              <a:t>：用于在后台线程中向一个远程推理服务发送图片，并接收推理结果</a:t>
+            </a:r>
+            <a:r>
+              <a:rPr lang="en-US" altLang="zh-CN" dirty="0" err="1"/>
+              <a:t>GarbageClassificationService</a:t>
+            </a:r>
+            <a:r>
+              <a:rPr lang="zh-CN" altLang="en-US" dirty="0"/>
+              <a:t>：使用阿里巴巴的</a:t>
+            </a:r>
+            <a:r>
+              <a:rPr lang="en-US" altLang="zh-CN" dirty="0" err="1"/>
+              <a:t>DashScope</a:t>
+            </a:r>
+            <a:r>
+              <a:rPr lang="en-US" altLang="zh-CN" dirty="0"/>
+              <a:t> AI</a:t>
+            </a:r>
+            <a:r>
+              <a:rPr lang="zh-CN" altLang="en-US" dirty="0"/>
+              <a:t>生成服务来根据输入的垃圾名称调用一个模型，从而确定垃圾属于哪一类，并打印出分类结果</a:t>
+            </a:r>
+          </a:p>
+        </p:txBody>
+      </p:sp>
+    </p:spTree>
+    <p:extLst>
+      <p:ext uri="{BB962C8B-B14F-4D97-AF65-F5344CB8AC3E}">
+        <p14:creationId xmlns:p14="http://schemas.microsoft.com/office/powerpoint/2010/main" val="29354293"/>
+      </p:ext>
+    </p:extLst>
+  </p:cSld>
+  <p:clrMapOvr>
+    <a:masterClrMapping/>
+  </p:clrMapOvr>
 </p:sld>
 </file>
 
@@ -12902,14 +13977,26 @@
           <a:lstStyle/>
           <a:p>
             <a:r>
-              <a:rPr lang="en-US" altLang="zh-CN" dirty="0"/>
+              <a:rPr lang="en-US" altLang="zh-CN" dirty="0">
+                <a:solidFill>
+                  <a:schemeClr val="accent6"/>
+                </a:solidFill>
+              </a:rPr>
               <a:t>1.1.6</a:t>
             </a:r>
             <a:r>
-              <a:rPr lang="zh-CN" altLang="en-US" dirty="0"/>
+              <a:rPr lang="zh-CN" altLang="en-US" dirty="0">
+                <a:solidFill>
+                  <a:schemeClr val="accent6"/>
+                </a:solidFill>
+              </a:rPr>
               <a:t> 如何做到差异化</a:t>
             </a:r>
-            <a:endParaRPr lang="en-US" altLang="zh-CN" dirty="0"/>
+            <a:endParaRPr lang="en-US" altLang="zh-CN" dirty="0">
+              <a:solidFill>
+                <a:schemeClr val="accent6"/>
+              </a:solidFill>
+            </a:endParaRPr>
           </a:p>
           <a:p>
             <a:endParaRPr lang="en-US" altLang="zh-CN" dirty="0"/>
@@ -13016,7 +14103,7 @@
         </p:blipFill>
         <p:spPr>
           <a:xfrm rot="345562">
-            <a:off x="7734222" y="66161"/>
+            <a:off x="7734221" y="163085"/>
             <a:ext cx="2125058" cy="2990822"/>
           </a:xfrm>
           <a:prstGeom prst="rect">
@@ -16296,7 +17383,7 @@
                   <a:schemeClr val="accent6"/>
                 </a:solidFill>
               </a:rPr>
-              <a:t>解决方案：</a:t>
+              <a:t>解决方案：垃圾分类</a:t>
             </a:r>
             <a:r>
               <a:rPr lang="en-US" altLang="zh-CN" dirty="0">
@@ -16304,16 +17391,13 @@
                   <a:schemeClr val="accent6"/>
                 </a:solidFill>
               </a:rPr>
-              <a:t>Android</a:t>
-            </a:r>
-            <a:r>
-              <a:rPr lang="zh-CN" altLang="en-US" dirty="0">
-                <a:solidFill>
-                  <a:schemeClr val="accent6"/>
-                </a:solidFill>
-              </a:rPr>
-              <a:t>应用</a:t>
-            </a:r>
+              <a:t>APP</a:t>
+            </a:r>
+            <a:endParaRPr lang="zh-CN" altLang="en-US" dirty="0">
+              <a:solidFill>
+                <a:schemeClr val="accent6"/>
+              </a:solidFill>
+            </a:endParaRPr>
           </a:p>
         </p:txBody>
       </p:sp>
@@ -16347,17 +17431,17 @@
         </p:blipFill>
         <p:spPr>
           <a:xfrm>
-            <a:off x="2301228" y="1407223"/>
+            <a:off x="2537448" y="1475962"/>
             <a:ext cx="2325291" cy="5167313"/>
           </a:xfrm>
         </p:spPr>
       </p:pic>
       <p:pic>
         <p:nvPicPr>
-          <p:cNvPr id="7" name="图片 6">
+          <p:cNvPr id="4" name="图片 3">
             <a:extLst>
               <a:ext uri="{FF2B5EF4-FFF2-40B4-BE49-F238E27FC236}">
-                <a16:creationId xmlns:a16="http://schemas.microsoft.com/office/drawing/2014/main" id="{2EDB35B3-743B-62AB-437E-D3BA9098A3D9}"/>
+                <a16:creationId xmlns:a16="http://schemas.microsoft.com/office/drawing/2014/main" id="{F6BDBE06-0509-DB99-6C9B-C01097E09E56}"/>
               </a:ext>
             </a:extLst>
           </p:cNvPr>
@@ -16380,8 +17464,8 @@
         </p:blipFill>
         <p:spPr>
           <a:xfrm>
-            <a:off x="7204800" y="1407223"/>
-            <a:ext cx="2325291" cy="5167314"/>
+            <a:off x="6875526" y="1475963"/>
+            <a:ext cx="2325291" cy="5167312"/>
           </a:xfrm>
           <a:prstGeom prst="rect">
             <a:avLst/>
@@ -16447,59 +17531,6 @@
                                         <p:cTn id="7" dur="500"/>
                                         <p:tgtEl>
                                           <p:spTgt spid="5"/>
-                                        </p:tgtEl>
-                                      </p:cBhvr>
-                                    </p:animEffect>
-                                  </p:childTnLst>
-                                </p:cTn>
-                              </p:par>
-                            </p:childTnLst>
-                          </p:cTn>
-                        </p:par>
-                      </p:childTnLst>
-                    </p:cTn>
-                  </p:par>
-                  <p:par>
-                    <p:cTn id="8" fill="hold">
-                      <p:stCondLst>
-                        <p:cond delay="indefinite"/>
-                      </p:stCondLst>
-                      <p:childTnLst>
-                        <p:par>
-                          <p:cTn id="9" fill="hold">
-                            <p:stCondLst>
-                              <p:cond delay="0"/>
-                            </p:stCondLst>
-                            <p:childTnLst>
-                              <p:par>
-                                <p:cTn id="10" presetID="10" presetClass="entr" presetSubtype="0" fill="hold" nodeType="clickEffect">
-                                  <p:stCondLst>
-                                    <p:cond delay="0"/>
-                                  </p:stCondLst>
-                                  <p:childTnLst>
-                                    <p:set>
-                                      <p:cBhvr>
-                                        <p:cTn id="11" dur="1" fill="hold">
-                                          <p:stCondLst>
-                                            <p:cond delay="0"/>
-                                          </p:stCondLst>
-                                        </p:cTn>
-                                        <p:tgtEl>
-                                          <p:spTgt spid="7"/>
-                                        </p:tgtEl>
-                                        <p:attrNameLst>
-                                          <p:attrName>style.visibility</p:attrName>
-                                        </p:attrNameLst>
-                                      </p:cBhvr>
-                                      <p:to>
-                                        <p:strVal val="visible"/>
-                                      </p:to>
-                                    </p:set>
-                                    <p:animEffect transition="in" filter="fade">
-                                      <p:cBhvr>
-                                        <p:cTn id="12" dur="500"/>
-                                        <p:tgtEl>
-                                          <p:spTgt spid="7"/>
                                         </p:tgtEl>
                                       </p:cBhvr>
                                     </p:animEffect>
